--- a/capstone/NY_real_estate/NYC property price prediction.pptx
+++ b/capstone/NY_real_estate/NYC property price prediction.pptx
@@ -4,8 +4,8 @@
   <p:sldMasterIdLst>
     <p:sldMasterId id="2147483796" r:id="rId1"/>
     <p:sldMasterId id="2147483797" r:id="rId2"/>
-    <p:sldMasterId id="2147483821" r:id="rId3"/>
-    <p:sldMasterId id="2147483833" r:id="rId4"/>
+    <p:sldMasterId id="2147483833" r:id="rId3"/>
+    <p:sldMasterId id="2147483870" r:id="rId4"/>
   </p:sldMasterIdLst>
   <p:sldIdLst>
     <p:sldId id="256" r:id="rId5"/>
@@ -120,6 +120,11 @@
       </a:defRPr>
     </a:lvl9pPr>
   </p:defaultTextStyle>
+  <p:extLst>
+    <p:ext uri="{EFAFB233-063F-42B5-8137-9DF3F51BA10A}">
+      <p15:sldGuideLst xmlns:p15="http://schemas.microsoft.com/office/powerpoint/2012/main"/>
+    </p:ext>
+  </p:extLst>
 </p:presentation>
 </file>
 
@@ -2400,7 +2405,7 @@
     </p:spTree>
     <p:extLst>
       <p:ext uri="{BB962C8B-B14F-4D97-AF65-F5344CB8AC3E}">
-        <p14:creationId xmlns:p14="http://schemas.microsoft.com/office/powerpoint/2010/main" val="3955734415"/>
+        <p14:creationId xmlns:p14="http://schemas.microsoft.com/office/powerpoint/2010/main" val="3990690857"/>
       </p:ext>
     </p:extLst>
   </p:cSld>
@@ -2575,7 +2580,7 @@
     </p:spTree>
     <p:extLst>
       <p:ext uri="{BB962C8B-B14F-4D97-AF65-F5344CB8AC3E}">
-        <p14:creationId xmlns:p14="http://schemas.microsoft.com/office/powerpoint/2010/main" val="1643813865"/>
+        <p14:creationId xmlns:p14="http://schemas.microsoft.com/office/powerpoint/2010/main" val="16858247"/>
       </p:ext>
     </p:extLst>
   </p:cSld>
@@ -2827,7 +2832,7 @@
     </p:spTree>
     <p:extLst>
       <p:ext uri="{BB962C8B-B14F-4D97-AF65-F5344CB8AC3E}">
-        <p14:creationId xmlns:p14="http://schemas.microsoft.com/office/powerpoint/2010/main" val="2335630975"/>
+        <p14:creationId xmlns:p14="http://schemas.microsoft.com/office/powerpoint/2010/main" val="2994263925"/>
       </p:ext>
     </p:extLst>
   </p:cSld>
@@ -3065,7 +3070,7 @@
     </p:spTree>
     <p:extLst>
       <p:ext uri="{BB962C8B-B14F-4D97-AF65-F5344CB8AC3E}">
-        <p14:creationId xmlns:p14="http://schemas.microsoft.com/office/powerpoint/2010/main" val="393370911"/>
+        <p14:creationId xmlns:p14="http://schemas.microsoft.com/office/powerpoint/2010/main" val="3956169808"/>
       </p:ext>
     </p:extLst>
   </p:cSld>
@@ -3438,7 +3443,7 @@
     </p:spTree>
     <p:extLst>
       <p:ext uri="{BB962C8B-B14F-4D97-AF65-F5344CB8AC3E}">
-        <p14:creationId xmlns:p14="http://schemas.microsoft.com/office/powerpoint/2010/main" val="3468277372"/>
+        <p14:creationId xmlns:p14="http://schemas.microsoft.com/office/powerpoint/2010/main" val="3208199574"/>
       </p:ext>
     </p:extLst>
   </p:cSld>
@@ -3562,7 +3567,7 @@
     </p:spTree>
     <p:extLst>
       <p:ext uri="{BB962C8B-B14F-4D97-AF65-F5344CB8AC3E}">
-        <p14:creationId xmlns:p14="http://schemas.microsoft.com/office/powerpoint/2010/main" val="1884154"/>
+        <p14:creationId xmlns:p14="http://schemas.microsoft.com/office/powerpoint/2010/main" val="3269426716"/>
       </p:ext>
     </p:extLst>
   </p:cSld>
@@ -3867,7 +3872,7 @@
     </p:spTree>
     <p:extLst>
       <p:ext uri="{BB962C8B-B14F-4D97-AF65-F5344CB8AC3E}">
-        <p14:creationId xmlns:p14="http://schemas.microsoft.com/office/powerpoint/2010/main" val="2998660017"/>
+        <p14:creationId xmlns:p14="http://schemas.microsoft.com/office/powerpoint/2010/main" val="139663425"/>
       </p:ext>
     </p:extLst>
   </p:cSld>
@@ -4150,7 +4155,7 @@
     </p:spTree>
     <p:extLst>
       <p:ext uri="{BB962C8B-B14F-4D97-AF65-F5344CB8AC3E}">
-        <p14:creationId xmlns:p14="http://schemas.microsoft.com/office/powerpoint/2010/main" val="4222118018"/>
+        <p14:creationId xmlns:p14="http://schemas.microsoft.com/office/powerpoint/2010/main" val="2749995781"/>
       </p:ext>
     </p:extLst>
   </p:cSld>
@@ -4413,7 +4418,7 @@
     </p:spTree>
     <p:extLst>
       <p:ext uri="{BB962C8B-B14F-4D97-AF65-F5344CB8AC3E}">
-        <p14:creationId xmlns:p14="http://schemas.microsoft.com/office/powerpoint/2010/main" val="1438675652"/>
+        <p14:creationId xmlns:p14="http://schemas.microsoft.com/office/powerpoint/2010/main" val="1636956298"/>
       </p:ext>
     </p:extLst>
   </p:cSld>
@@ -4589,7 +4594,7 @@
     </p:spTree>
     <p:extLst>
       <p:ext uri="{BB962C8B-B14F-4D97-AF65-F5344CB8AC3E}">
-        <p14:creationId xmlns:p14="http://schemas.microsoft.com/office/powerpoint/2010/main" val="3268402317"/>
+        <p14:creationId xmlns:p14="http://schemas.microsoft.com/office/powerpoint/2010/main" val="3313917434"/>
       </p:ext>
     </p:extLst>
   </p:cSld>
@@ -4775,7 +4780,7 @@
     </p:spTree>
     <p:extLst>
       <p:ext uri="{BB962C8B-B14F-4D97-AF65-F5344CB8AC3E}">
-        <p14:creationId xmlns:p14="http://schemas.microsoft.com/office/powerpoint/2010/main" val="3383147061"/>
+        <p14:creationId xmlns:p14="http://schemas.microsoft.com/office/powerpoint/2010/main" val="965176005"/>
       </p:ext>
     </p:extLst>
   </p:cSld>
@@ -4971,7 +4976,7 @@
     </p:spTree>
     <p:extLst>
       <p:ext uri="{BB962C8B-B14F-4D97-AF65-F5344CB8AC3E}">
-        <p14:creationId xmlns:p14="http://schemas.microsoft.com/office/powerpoint/2010/main" val="3990690857"/>
+        <p14:creationId xmlns:p14="http://schemas.microsoft.com/office/powerpoint/2010/main" val="1919791916"/>
       </p:ext>
     </p:extLst>
   </p:cSld>
@@ -5146,7 +5151,7 @@
     </p:spTree>
     <p:extLst>
       <p:ext uri="{BB962C8B-B14F-4D97-AF65-F5344CB8AC3E}">
-        <p14:creationId xmlns:p14="http://schemas.microsoft.com/office/powerpoint/2010/main" val="16858247"/>
+        <p14:creationId xmlns:p14="http://schemas.microsoft.com/office/powerpoint/2010/main" val="1852513095"/>
       </p:ext>
     </p:extLst>
   </p:cSld>
@@ -5398,7 +5403,7 @@
     </p:spTree>
     <p:extLst>
       <p:ext uri="{BB962C8B-B14F-4D97-AF65-F5344CB8AC3E}">
-        <p14:creationId xmlns:p14="http://schemas.microsoft.com/office/powerpoint/2010/main" val="2994263925"/>
+        <p14:creationId xmlns:p14="http://schemas.microsoft.com/office/powerpoint/2010/main" val="1908222056"/>
       </p:ext>
     </p:extLst>
   </p:cSld>
@@ -5636,7 +5641,7 @@
     </p:spTree>
     <p:extLst>
       <p:ext uri="{BB962C8B-B14F-4D97-AF65-F5344CB8AC3E}">
-        <p14:creationId xmlns:p14="http://schemas.microsoft.com/office/powerpoint/2010/main" val="3956169808"/>
+        <p14:creationId xmlns:p14="http://schemas.microsoft.com/office/powerpoint/2010/main" val="3970087204"/>
       </p:ext>
     </p:extLst>
   </p:cSld>
@@ -6009,7 +6014,7 @@
     </p:spTree>
     <p:extLst>
       <p:ext uri="{BB962C8B-B14F-4D97-AF65-F5344CB8AC3E}">
-        <p14:creationId xmlns:p14="http://schemas.microsoft.com/office/powerpoint/2010/main" val="3208199574"/>
+        <p14:creationId xmlns:p14="http://schemas.microsoft.com/office/powerpoint/2010/main" val="3598927179"/>
       </p:ext>
     </p:extLst>
   </p:cSld>
@@ -6356,7 +6361,7 @@
     </p:spTree>
     <p:extLst>
       <p:ext uri="{BB962C8B-B14F-4D97-AF65-F5344CB8AC3E}">
-        <p14:creationId xmlns:p14="http://schemas.microsoft.com/office/powerpoint/2010/main" val="3269426716"/>
+        <p14:creationId xmlns:p14="http://schemas.microsoft.com/office/powerpoint/2010/main" val="1327377252"/>
       </p:ext>
     </p:extLst>
   </p:cSld>
@@ -6457,7 +6462,7 @@
     </p:spTree>
     <p:extLst>
       <p:ext uri="{BB962C8B-B14F-4D97-AF65-F5344CB8AC3E}">
-        <p14:creationId xmlns:p14="http://schemas.microsoft.com/office/powerpoint/2010/main" val="139663425"/>
+        <p14:creationId xmlns:p14="http://schemas.microsoft.com/office/powerpoint/2010/main" val="3735594879"/>
       </p:ext>
     </p:extLst>
   </p:cSld>
@@ -6740,7 +6745,7 @@
     </p:spTree>
     <p:extLst>
       <p:ext uri="{BB962C8B-B14F-4D97-AF65-F5344CB8AC3E}">
-        <p14:creationId xmlns:p14="http://schemas.microsoft.com/office/powerpoint/2010/main" val="2749995781"/>
+        <p14:creationId xmlns:p14="http://schemas.microsoft.com/office/powerpoint/2010/main" val="3816167645"/>
       </p:ext>
     </p:extLst>
   </p:cSld>
@@ -7003,7 +7008,7 @@
     </p:spTree>
     <p:extLst>
       <p:ext uri="{BB962C8B-B14F-4D97-AF65-F5344CB8AC3E}">
-        <p14:creationId xmlns:p14="http://schemas.microsoft.com/office/powerpoint/2010/main" val="1636956298"/>
+        <p14:creationId xmlns:p14="http://schemas.microsoft.com/office/powerpoint/2010/main" val="815054259"/>
       </p:ext>
     </p:extLst>
   </p:cSld>
@@ -7179,7 +7184,7 @@
     </p:spTree>
     <p:extLst>
       <p:ext uri="{BB962C8B-B14F-4D97-AF65-F5344CB8AC3E}">
-        <p14:creationId xmlns:p14="http://schemas.microsoft.com/office/powerpoint/2010/main" val="3313917434"/>
+        <p14:creationId xmlns:p14="http://schemas.microsoft.com/office/powerpoint/2010/main" val="1723185380"/>
       </p:ext>
     </p:extLst>
   </p:cSld>
@@ -7365,7 +7370,7 @@
     </p:spTree>
     <p:extLst>
       <p:ext uri="{BB962C8B-B14F-4D97-AF65-F5344CB8AC3E}">
-        <p14:creationId xmlns:p14="http://schemas.microsoft.com/office/powerpoint/2010/main" val="965176005"/>
+        <p14:creationId xmlns:p14="http://schemas.microsoft.com/office/powerpoint/2010/main" val="2180791744"/>
       </p:ext>
     </p:extLst>
   </p:cSld>
@@ -10237,23 +10242,23 @@
     </p:spTree>
     <p:extLst>
       <p:ext uri="{BB962C8B-B14F-4D97-AF65-F5344CB8AC3E}">
-        <p14:creationId xmlns:p14="http://schemas.microsoft.com/office/powerpoint/2010/main" val="160707654"/>
+        <p14:creationId xmlns:p14="http://schemas.microsoft.com/office/powerpoint/2010/main" val="2430869872"/>
       </p:ext>
     </p:extLst>
   </p:cSld>
   <p:clrMap bg1="dk1" tx1="lt1" bg2="dk2" tx2="lt2" accent1="accent1" accent2="accent2" accent3="accent3" accent4="accent4" accent5="accent5" accent6="accent6" hlink="hlink" folHlink="folHlink"/>
   <p:sldLayoutIdLst>
-    <p:sldLayoutId id="2147483822" r:id="rId1"/>
-    <p:sldLayoutId id="2147483823" r:id="rId2"/>
-    <p:sldLayoutId id="2147483824" r:id="rId3"/>
-    <p:sldLayoutId id="2147483825" r:id="rId4"/>
-    <p:sldLayoutId id="2147483826" r:id="rId5"/>
-    <p:sldLayoutId id="2147483827" r:id="rId6"/>
-    <p:sldLayoutId id="2147483828" r:id="rId7"/>
-    <p:sldLayoutId id="2147483829" r:id="rId8"/>
-    <p:sldLayoutId id="2147483830" r:id="rId9"/>
-    <p:sldLayoutId id="2147483831" r:id="rId10"/>
-    <p:sldLayoutId id="2147483832" r:id="rId11"/>
+    <p:sldLayoutId id="2147483834" r:id="rId1"/>
+    <p:sldLayoutId id="2147483835" r:id="rId2"/>
+    <p:sldLayoutId id="2147483836" r:id="rId3"/>
+    <p:sldLayoutId id="2147483837" r:id="rId4"/>
+    <p:sldLayoutId id="2147483838" r:id="rId5"/>
+    <p:sldLayoutId id="2147483839" r:id="rId6"/>
+    <p:sldLayoutId id="2147483840" r:id="rId7"/>
+    <p:sldLayoutId id="2147483841" r:id="rId8"/>
+    <p:sldLayoutId id="2147483842" r:id="rId9"/>
+    <p:sldLayoutId id="2147483843" r:id="rId10"/>
+    <p:sldLayoutId id="2147483844" r:id="rId11"/>
   </p:sldLayoutIdLst>
   <p:hf sldNum="0" hdr="0" ftr="0" dt="0"/>
   <p:txStyles>
@@ -10783,23 +10788,23 @@
     </p:spTree>
     <p:extLst>
       <p:ext uri="{BB962C8B-B14F-4D97-AF65-F5344CB8AC3E}">
-        <p14:creationId xmlns:p14="http://schemas.microsoft.com/office/powerpoint/2010/main" val="2430869872"/>
+        <p14:creationId xmlns:p14="http://schemas.microsoft.com/office/powerpoint/2010/main" val="491876395"/>
       </p:ext>
     </p:extLst>
   </p:cSld>
   <p:clrMap bg1="dk1" tx1="lt1" bg2="dk2" tx2="lt2" accent1="accent1" accent2="accent2" accent3="accent3" accent4="accent4" accent5="accent5" accent6="accent6" hlink="hlink" folHlink="folHlink"/>
   <p:sldLayoutIdLst>
-    <p:sldLayoutId id="2147483834" r:id="rId1"/>
-    <p:sldLayoutId id="2147483835" r:id="rId2"/>
-    <p:sldLayoutId id="2147483836" r:id="rId3"/>
-    <p:sldLayoutId id="2147483837" r:id="rId4"/>
-    <p:sldLayoutId id="2147483838" r:id="rId5"/>
-    <p:sldLayoutId id="2147483839" r:id="rId6"/>
-    <p:sldLayoutId id="2147483840" r:id="rId7"/>
-    <p:sldLayoutId id="2147483841" r:id="rId8"/>
-    <p:sldLayoutId id="2147483842" r:id="rId9"/>
-    <p:sldLayoutId id="2147483843" r:id="rId10"/>
-    <p:sldLayoutId id="2147483844" r:id="rId11"/>
+    <p:sldLayoutId id="2147483871" r:id="rId1"/>
+    <p:sldLayoutId id="2147483872" r:id="rId2"/>
+    <p:sldLayoutId id="2147483873" r:id="rId3"/>
+    <p:sldLayoutId id="2147483874" r:id="rId4"/>
+    <p:sldLayoutId id="2147483875" r:id="rId5"/>
+    <p:sldLayoutId id="2147483876" r:id="rId6"/>
+    <p:sldLayoutId id="2147483877" r:id="rId7"/>
+    <p:sldLayoutId id="2147483878" r:id="rId8"/>
+    <p:sldLayoutId id="2147483879" r:id="rId9"/>
+    <p:sldLayoutId id="2147483880" r:id="rId10"/>
+    <p:sldLayoutId id="2147483881" r:id="rId11"/>
   </p:sldLayoutIdLst>
   <p:hf sldNum="0" hdr="0" ftr="0" dt="0"/>
   <p:txStyles>
@@ -11112,82 +11117,6 @@
           <a:chExt cx="0" cy="0"/>
         </a:xfrm>
       </p:grpSpPr>
-      <p:sp useBgFill="1">
-        <p:nvSpPr>
-          <p:cNvPr id="49" name="Rectangle 48">
-            <a:extLst>
-              <a:ext uri="{FF2B5EF4-FFF2-40B4-BE49-F238E27FC236}">
-                <a16:creationId xmlns:a16="http://schemas.microsoft.com/office/drawing/2014/main" id="{1DB043B4-68C6-45B9-82AC-A5800EADB8DB}"/>
-              </a:ext>
-              <a:ext uri="{C183D7F6-B498-43B3-948B-1728B52AA6E4}">
-                <adec:decorative xmlns:adec="http://schemas.microsoft.com/office/drawing/2017/decorative" val="1"/>
-              </a:ext>
-            </a:extLst>
-          </p:cNvPr>
-          <p:cNvSpPr>
-            <a:spLocks noGrp="1" noRot="1" noChangeAspect="1" noMove="1" noResize="1" noEditPoints="1" noAdjustHandles="1" noChangeArrowheads="1" noChangeShapeType="1" noTextEdit="1"/>
-          </p:cNvSpPr>
-          <p:nvPr>
-            <p:extLst>
-              <p:ext uri="{386F3935-93C4-4BCD-93E2-E3B085C9AB24}">
-                <p16:designElem xmlns:p16="http://schemas.microsoft.com/office/powerpoint/2015/main" val="1"/>
-              </p:ext>
-            </p:extLst>
-          </p:nvPr>
-        </p:nvSpPr>
-        <p:spPr>
-          <a:xfrm>
-            <a:off x="0" y="0"/>
-            <a:ext cx="12192000" cy="6858000"/>
-          </a:xfrm>
-          <a:prstGeom prst="rect">
-            <a:avLst/>
-          </a:prstGeom>
-          <a:ln w="12700" cap="flat" cmpd="sng" algn="ctr">
-            <a:noFill/>
-            <a:prstDash val="solid"/>
-            <a:miter lim="800000"/>
-          </a:ln>
-          <a:effectLst/>
-          <a:extLst>
-            <a:ext uri="{91240B29-F687-4F45-9708-019B960494DF}">
-              <a14:hiddenLine xmlns:a14="http://schemas.microsoft.com/office/drawing/2010/main" w="12700" cap="flat" cmpd="sng" algn="ctr">
-                <a:solidFill>
-                  <a:schemeClr val="accent1">
-                    <a:shade val="50000"/>
-                  </a:schemeClr>
-                </a:solidFill>
-                <a:prstDash val="solid"/>
-                <a:miter lim="800000"/>
-              </a14:hiddenLine>
-            </a:ext>
-          </a:extLst>
-        </p:spPr>
-        <p:style>
-          <a:lnRef idx="2">
-            <a:schemeClr val="accent1">
-              <a:shade val="50000"/>
-            </a:schemeClr>
-          </a:lnRef>
-          <a:fillRef idx="1">
-            <a:schemeClr val="accent1"/>
-          </a:fillRef>
-          <a:effectRef idx="0">
-            <a:schemeClr val="accent1"/>
-          </a:effectRef>
-          <a:fontRef idx="minor">
-            <a:schemeClr val="lt1"/>
-          </a:fontRef>
-        </p:style>
-        <p:txBody>
-          <a:bodyPr rtlCol="0" anchor="ctr"/>
-          <a:lstStyle/>
-          <a:p>
-            <a:pPr algn="ctr"/>
-            <a:endParaRPr lang="en-US"/>
-          </a:p>
-        </p:txBody>
-      </p:sp>
       <p:pic>
         <p:nvPicPr>
           <p:cNvPr id="18" name="Picture 3">
@@ -11219,82 +11148,6 @@
       </p:pic>
       <p:sp>
         <p:nvSpPr>
-          <p:cNvPr id="51" name="Rectangle 50">
-            <a:extLst>
-              <a:ext uri="{FF2B5EF4-FFF2-40B4-BE49-F238E27FC236}">
-                <a16:creationId xmlns:a16="http://schemas.microsoft.com/office/drawing/2014/main" id="{D7750348-5249-48BE-B8D8-43608AD74ED1}"/>
-              </a:ext>
-              <a:ext uri="{C183D7F6-B498-43B3-948B-1728B52AA6E4}">
-                <adec:decorative xmlns:adec="http://schemas.microsoft.com/office/drawing/2017/decorative" val="1"/>
-              </a:ext>
-            </a:extLst>
-          </p:cNvPr>
-          <p:cNvSpPr>
-            <a:spLocks noGrp="1" noRot="1" noChangeAspect="1" noMove="1" noResize="1" noEditPoints="1" noAdjustHandles="1" noChangeArrowheads="1" noChangeShapeType="1" noTextEdit="1"/>
-          </p:cNvSpPr>
-          <p:nvPr>
-            <p:extLst>
-              <p:ext uri="{386F3935-93C4-4BCD-93E2-E3B085C9AB24}">
-                <p16:designElem xmlns:p16="http://schemas.microsoft.com/office/powerpoint/2015/main" val="1"/>
-              </p:ext>
-            </p:extLst>
-          </p:nvPr>
-        </p:nvSpPr>
-        <p:spPr>
-          <a:xfrm rot="10800000">
-            <a:off x="0" y="-3"/>
-            <a:ext cx="9000000" cy="6857998"/>
-          </a:xfrm>
-          <a:prstGeom prst="rect">
-            <a:avLst/>
-          </a:prstGeom>
-          <a:gradFill flip="none" rotWithShape="1">
-            <a:gsLst>
-              <a:gs pos="50000">
-                <a:schemeClr val="bg2">
-                  <a:alpha val="60000"/>
-                </a:schemeClr>
-              </a:gs>
-              <a:gs pos="0">
-                <a:schemeClr val="bg2">
-                  <a:alpha val="0"/>
-                </a:schemeClr>
-              </a:gs>
-            </a:gsLst>
-            <a:lin ang="0" scaled="0"/>
-            <a:tileRect/>
-          </a:gradFill>
-          <a:ln>
-            <a:noFill/>
-          </a:ln>
-        </p:spPr>
-        <p:style>
-          <a:lnRef idx="2">
-            <a:schemeClr val="accent1">
-              <a:shade val="50000"/>
-            </a:schemeClr>
-          </a:lnRef>
-          <a:fillRef idx="1">
-            <a:schemeClr val="accent1"/>
-          </a:fillRef>
-          <a:effectRef idx="0">
-            <a:schemeClr val="accent1"/>
-          </a:effectRef>
-          <a:fontRef idx="minor">
-            <a:schemeClr val="lt1"/>
-          </a:fontRef>
-        </p:style>
-        <p:txBody>
-          <a:bodyPr rtlCol="0" anchor="ctr"/>
-          <a:lstStyle/>
-          <a:p>
-            <a:pPr algn="ctr"/>
-            <a:endParaRPr lang="en-US"/>
-          </a:p>
-        </p:txBody>
-      </p:sp>
-      <p:sp>
-        <p:nvSpPr>
           <p:cNvPr id="2" name="Title 1">
             <a:extLst>
               <a:ext uri="{FF2B5EF4-FFF2-40B4-BE49-F238E27FC236}">
@@ -11326,82 +11179,6 @@
               <a:t>NYC property price prediction</a:t>
             </a:r>
             <a:endParaRPr lang="en-US" dirty="0"/>
-          </a:p>
-        </p:txBody>
-      </p:sp>
-      <p:sp>
-        <p:nvSpPr>
-          <p:cNvPr id="53" name="Rectangle 52">
-            <a:extLst>
-              <a:ext uri="{FF2B5EF4-FFF2-40B4-BE49-F238E27FC236}">
-                <a16:creationId xmlns:a16="http://schemas.microsoft.com/office/drawing/2014/main" id="{1BC3C586-41D9-4369-AF7F-3A2DB21DBF81}"/>
-              </a:ext>
-              <a:ext uri="{C183D7F6-B498-43B3-948B-1728B52AA6E4}">
-                <adec:decorative xmlns:adec="http://schemas.microsoft.com/office/drawing/2017/decorative" val="1"/>
-              </a:ext>
-            </a:extLst>
-          </p:cNvPr>
-          <p:cNvSpPr>
-            <a:spLocks noGrp="1" noRot="1" noChangeAspect="1" noMove="1" noResize="1" noEditPoints="1" noAdjustHandles="1" noChangeArrowheads="1" noChangeShapeType="1" noTextEdit="1"/>
-          </p:cNvSpPr>
-          <p:nvPr>
-            <p:extLst>
-              <p:ext uri="{386F3935-93C4-4BCD-93E2-E3B085C9AB24}">
-                <p16:designElem xmlns:p16="http://schemas.microsoft.com/office/powerpoint/2015/main" val="1"/>
-              </p:ext>
-            </p:extLst>
-          </p:nvPr>
-        </p:nvSpPr>
-        <p:spPr>
-          <a:xfrm>
-            <a:off x="0" y="5773729"/>
-            <a:ext cx="12192000" cy="1084271"/>
-          </a:xfrm>
-          <a:prstGeom prst="rect">
-            <a:avLst/>
-          </a:prstGeom>
-          <a:gradFill flip="none" rotWithShape="1">
-            <a:gsLst>
-              <a:gs pos="90000">
-                <a:schemeClr val="bg2">
-                  <a:alpha val="60000"/>
-                </a:schemeClr>
-              </a:gs>
-              <a:gs pos="28000">
-                <a:schemeClr val="bg2">
-                  <a:alpha val="0"/>
-                </a:schemeClr>
-              </a:gs>
-            </a:gsLst>
-            <a:lin ang="5400000" scaled="0"/>
-            <a:tileRect/>
-          </a:gradFill>
-          <a:ln>
-            <a:noFill/>
-          </a:ln>
-        </p:spPr>
-        <p:style>
-          <a:lnRef idx="2">
-            <a:schemeClr val="accent1">
-              <a:shade val="50000"/>
-            </a:schemeClr>
-          </a:lnRef>
-          <a:fillRef idx="1">
-            <a:schemeClr val="accent1"/>
-          </a:fillRef>
-          <a:effectRef idx="0">
-            <a:schemeClr val="accent1"/>
-          </a:effectRef>
-          <a:fontRef idx="minor">
-            <a:schemeClr val="lt1"/>
-          </a:fontRef>
-        </p:style>
-        <p:txBody>
-          <a:bodyPr rtlCol="0" anchor="ctr"/>
-          <a:lstStyle/>
-          <a:p>
-            <a:pPr algn="ctr"/>
-            <a:endParaRPr lang="en-US"/>
           </a:p>
         </p:txBody>
       </p:sp>
@@ -11725,100 +11502,6 @@
               <a:buChar char="•"/>
             </a:pPr>
             <a:endParaRPr lang="en-US"/>
-          </a:p>
-        </p:txBody>
-      </p:sp>
-      <p:sp>
-        <p:nvSpPr>
-          <p:cNvPr id="93" name="Oval 92">
-            <a:extLst>
-              <a:ext uri="{FF2B5EF4-FFF2-40B4-BE49-F238E27FC236}">
-                <a16:creationId xmlns:a16="http://schemas.microsoft.com/office/drawing/2014/main" id="{07977D39-626F-40D7-B00F-16E02602DD5A}"/>
-              </a:ext>
-              <a:ext uri="{C183D7F6-B498-43B3-948B-1728B52AA6E4}">
-                <adec:decorative xmlns:adec="http://schemas.microsoft.com/office/drawing/2017/decorative" val="1"/>
-              </a:ext>
-            </a:extLst>
-          </p:cNvPr>
-          <p:cNvSpPr>
-            <a:spLocks noGrp="1" noRot="1" noChangeAspect="1" noMove="1" noResize="1" noEditPoints="1" noAdjustHandles="1" noChangeArrowheads="1" noChangeShapeType="1" noTextEdit="1"/>
-          </p:cNvSpPr>
-          <p:nvPr>
-            <p:extLst>
-              <p:ext uri="{386F3935-93C4-4BCD-93E2-E3B085C9AB24}">
-                <p16:designElem xmlns:p16="http://schemas.microsoft.com/office/powerpoint/2015/main" val="1"/>
-              </p:ext>
-            </p:extLst>
-          </p:nvPr>
-        </p:nvSpPr>
-        <p:spPr>
-          <a:xfrm>
-            <a:off x="5549615" y="197110"/>
-            <a:ext cx="2020824" cy="2020824"/>
-          </a:xfrm>
-          <a:prstGeom prst="ellipse">
-            <a:avLst/>
-          </a:prstGeom>
-          <a:solidFill>
-            <a:srgbClr val="FFFFFF">
-              <a:alpha val="80000"/>
-            </a:srgbClr>
-          </a:solidFill>
-          <a:ln>
-            <a:noFill/>
-          </a:ln>
-        </p:spPr>
-        <p:style>
-          <a:lnRef idx="2">
-            <a:schemeClr val="accent1">
-              <a:shade val="50000"/>
-            </a:schemeClr>
-          </a:lnRef>
-          <a:fillRef idx="1">
-            <a:schemeClr val="accent1"/>
-          </a:fillRef>
-          <a:effectRef idx="0">
-            <a:schemeClr val="accent1"/>
-          </a:effectRef>
-          <a:fontRef idx="minor">
-            <a:schemeClr val="lt1"/>
-          </a:fontRef>
-        </p:style>
-        <p:txBody>
-          <a:bodyPr rtlCol="0" anchor="ctr"/>
-          <a:lstStyle/>
-          <a:p>
-            <a:pPr marL="0" marR="0" lvl="0" indent="0" algn="ctr" defTabSz="914400" rtl="0" eaLnBrk="1" fontAlgn="auto" latinLnBrk="0" hangingPunct="1">
-              <a:lnSpc>
-                <a:spcPct val="100000"/>
-              </a:lnSpc>
-              <a:spcBef>
-                <a:spcPts val="0"/>
-              </a:spcBef>
-              <a:spcAft>
-                <a:spcPts val="0"/>
-              </a:spcAft>
-              <a:buClrTx/>
-              <a:buSzTx/>
-              <a:buFontTx/>
-              <a:buNone/>
-              <a:tabLst/>
-              <a:defRPr/>
-            </a:pPr>
-            <a:endParaRPr kumimoji="0" lang="en-US" sz="1800" b="0" i="0" u="none" strike="noStrike" kern="1200" cap="none" spc="0" normalizeH="0" baseline="0" noProof="0">
-              <a:ln>
-                <a:noFill/>
-              </a:ln>
-              <a:solidFill>
-                <a:prstClr val="white"/>
-              </a:solidFill>
-              <a:effectLst/>
-              <a:uLnTx/>
-              <a:uFillTx/>
-              <a:latin typeface="Calibri" panose="020F0502020204030204"/>
-              <a:ea typeface="+mn-ea"/>
-              <a:cs typeface="+mn-cs"/>
-            </a:endParaRPr>
           </a:p>
         </p:txBody>
       </p:sp>
@@ -11899,269 +11582,6 @@
           </a:extLst>
         </p:spPr>
       </p:pic>
-      <p:sp>
-        <p:nvSpPr>
-          <p:cNvPr id="95" name="Freeform: Shape 94">
-            <a:extLst>
-              <a:ext uri="{FF2B5EF4-FFF2-40B4-BE49-F238E27FC236}">
-                <a16:creationId xmlns:a16="http://schemas.microsoft.com/office/drawing/2014/main" id="{B905CDE4-B751-4B3E-B625-6E59F8903414}"/>
-              </a:ext>
-              <a:ext uri="{C183D7F6-B498-43B3-948B-1728B52AA6E4}">
-                <adec:decorative xmlns:adec="http://schemas.microsoft.com/office/drawing/2017/decorative" val="1"/>
-              </a:ext>
-            </a:extLst>
-          </p:cNvPr>
-          <p:cNvSpPr>
-            <a:spLocks noGrp="1" noRot="1" noChangeAspect="1" noMove="1" noResize="1" noEditPoints="1" noAdjustHandles="1" noChangeArrowheads="1" noChangeShapeType="1" noTextEdit="1"/>
-          </p:cNvSpPr>
-          <p:nvPr>
-            <p:extLst>
-              <p:ext uri="{386F3935-93C4-4BCD-93E2-E3B085C9AB24}">
-                <p16:designElem xmlns:p16="http://schemas.microsoft.com/office/powerpoint/2015/main" val="1"/>
-              </p:ext>
-            </p:extLst>
-          </p:nvPr>
-        </p:nvSpPr>
-        <p:spPr>
-          <a:xfrm>
-            <a:off x="8114932" y="1"/>
-            <a:ext cx="4077068" cy="3445261"/>
-          </a:xfrm>
-          <a:custGeom>
-            <a:avLst/>
-            <a:gdLst>
-              <a:gd name="connsiteX0" fmla="*/ 250035 w 4077068"/>
-              <a:gd name="connsiteY0" fmla="*/ 0 h 3445261"/>
-              <a:gd name="connsiteX1" fmla="*/ 4077068 w 4077068"/>
-              <a:gd name="connsiteY1" fmla="*/ 0 h 3445261"/>
-              <a:gd name="connsiteX2" fmla="*/ 4077068 w 4077068"/>
-              <a:gd name="connsiteY2" fmla="*/ 2743040 h 3445261"/>
-              <a:gd name="connsiteX3" fmla="*/ 4074154 w 4077068"/>
-              <a:gd name="connsiteY3" fmla="*/ 2746247 h 3445261"/>
-              <a:gd name="connsiteX4" fmla="*/ 2386584 w 4077068"/>
-              <a:gd name="connsiteY4" fmla="*/ 3445261 h 3445261"/>
-              <a:gd name="connsiteX5" fmla="*/ 0 w 4077068"/>
-              <a:gd name="connsiteY5" fmla="*/ 1058677 h 3445261"/>
-              <a:gd name="connsiteX6" fmla="*/ 187550 w 4077068"/>
-              <a:gd name="connsiteY6" fmla="*/ 129711 h 3445261"/>
-            </a:gdLst>
-            <a:ahLst/>
-            <a:cxnLst>
-              <a:cxn ang="0">
-                <a:pos x="connsiteX0" y="connsiteY0"/>
-              </a:cxn>
-              <a:cxn ang="0">
-                <a:pos x="connsiteX1" y="connsiteY1"/>
-              </a:cxn>
-              <a:cxn ang="0">
-                <a:pos x="connsiteX2" y="connsiteY2"/>
-              </a:cxn>
-              <a:cxn ang="0">
-                <a:pos x="connsiteX3" y="connsiteY3"/>
-              </a:cxn>
-              <a:cxn ang="0">
-                <a:pos x="connsiteX4" y="connsiteY4"/>
-              </a:cxn>
-              <a:cxn ang="0">
-                <a:pos x="connsiteX5" y="connsiteY5"/>
-              </a:cxn>
-              <a:cxn ang="0">
-                <a:pos x="connsiteX6" y="connsiteY6"/>
-              </a:cxn>
-            </a:cxnLst>
-            <a:rect l="l" t="t" r="r" b="b"/>
-            <a:pathLst>
-              <a:path w="4077068" h="3445261">
-                <a:moveTo>
-                  <a:pt x="250035" y="0"/>
-                </a:moveTo>
-                <a:lnTo>
-                  <a:pt x="4077068" y="0"/>
-                </a:lnTo>
-                <a:lnTo>
-                  <a:pt x="4077068" y="2743040"/>
-                </a:lnTo>
-                <a:lnTo>
-                  <a:pt x="4074154" y="2746247"/>
-                </a:lnTo>
-                <a:cubicBezTo>
-                  <a:pt x="3642267" y="3178134"/>
-                  <a:pt x="3045621" y="3445261"/>
-                  <a:pt x="2386584" y="3445261"/>
-                </a:cubicBezTo>
-                <a:cubicBezTo>
-                  <a:pt x="1068510" y="3445261"/>
-                  <a:pt x="0" y="2376751"/>
-                  <a:pt x="0" y="1058677"/>
-                </a:cubicBezTo>
-                <a:cubicBezTo>
-                  <a:pt x="0" y="729159"/>
-                  <a:pt x="66782" y="415238"/>
-                  <a:pt x="187550" y="129711"/>
-                </a:cubicBezTo>
-                <a:close/>
-              </a:path>
-            </a:pathLst>
-          </a:custGeom>
-          <a:solidFill>
-            <a:srgbClr val="FFFFFF">
-              <a:alpha val="80000"/>
-            </a:srgbClr>
-          </a:solidFill>
-          <a:ln>
-            <a:noFill/>
-          </a:ln>
-        </p:spPr>
-        <p:style>
-          <a:lnRef idx="2">
-            <a:schemeClr val="accent1">
-              <a:shade val="50000"/>
-            </a:schemeClr>
-          </a:lnRef>
-          <a:fillRef idx="1">
-            <a:schemeClr val="accent1"/>
-          </a:fillRef>
-          <a:effectRef idx="0">
-            <a:schemeClr val="accent1"/>
-          </a:effectRef>
-          <a:fontRef idx="minor">
-            <a:schemeClr val="lt1"/>
-          </a:fontRef>
-        </p:style>
-        <p:txBody>
-          <a:bodyPr wrap="square" rtlCol="0" anchor="ctr">
-            <a:noAutofit/>
-          </a:bodyPr>
-          <a:lstStyle/>
-          <a:p>
-            <a:pPr marL="0" marR="0" lvl="0" indent="0" algn="ctr" defTabSz="914400" rtl="0" eaLnBrk="1" fontAlgn="auto" latinLnBrk="0" hangingPunct="1">
-              <a:lnSpc>
-                <a:spcPct val="100000"/>
-              </a:lnSpc>
-              <a:spcBef>
-                <a:spcPts val="0"/>
-              </a:spcBef>
-              <a:spcAft>
-                <a:spcPts val="0"/>
-              </a:spcAft>
-              <a:buClrTx/>
-              <a:buSzTx/>
-              <a:buFontTx/>
-              <a:buNone/>
-              <a:tabLst/>
-              <a:defRPr/>
-            </a:pPr>
-            <a:endParaRPr kumimoji="0" lang="en-US" sz="1800" b="0" i="0" u="none" strike="noStrike" kern="1200" cap="none" spc="0" normalizeH="0" baseline="0" noProof="0">
-              <a:ln>
-                <a:noFill/>
-              </a:ln>
-              <a:solidFill>
-                <a:prstClr val="white"/>
-              </a:solidFill>
-              <a:effectLst/>
-              <a:uLnTx/>
-              <a:uFillTx/>
-              <a:latin typeface="Calibri" panose="020F0502020204030204"/>
-              <a:ea typeface="+mn-ea"/>
-              <a:cs typeface="+mn-cs"/>
-            </a:endParaRPr>
-          </a:p>
-        </p:txBody>
-      </p:sp>
-      <p:sp>
-        <p:nvSpPr>
-          <p:cNvPr id="97" name="Oval 96">
-            <a:extLst>
-              <a:ext uri="{FF2B5EF4-FFF2-40B4-BE49-F238E27FC236}">
-                <a16:creationId xmlns:a16="http://schemas.microsoft.com/office/drawing/2014/main" id="{08108C16-F4C0-44AA-999D-17BD39219B24}"/>
-              </a:ext>
-              <a:ext uri="{C183D7F6-B498-43B3-948B-1728B52AA6E4}">
-                <adec:decorative xmlns:adec="http://schemas.microsoft.com/office/drawing/2017/decorative" val="1"/>
-              </a:ext>
-            </a:extLst>
-          </p:cNvPr>
-          <p:cNvSpPr>
-            <a:spLocks noGrp="1" noRot="1" noChangeAspect="1" noMove="1" noResize="1" noEditPoints="1" noAdjustHandles="1" noChangeArrowheads="1" noChangeShapeType="1" noTextEdit="1"/>
-          </p:cNvSpPr>
-          <p:nvPr>
-            <p:extLst>
-              <p:ext uri="{386F3935-93C4-4BCD-93E2-E3B085C9AB24}">
-                <p16:designElem xmlns:p16="http://schemas.microsoft.com/office/powerpoint/2015/main" val="1"/>
-              </p:ext>
-            </p:extLst>
-          </p:nvPr>
-        </p:nvSpPr>
-        <p:spPr>
-          <a:xfrm>
-            <a:off x="5721428" y="2550745"/>
-            <a:ext cx="3072384" cy="3072384"/>
-          </a:xfrm>
-          <a:prstGeom prst="ellipse">
-            <a:avLst/>
-          </a:prstGeom>
-          <a:solidFill>
-            <a:srgbClr val="FFFFFF">
-              <a:alpha val="80000"/>
-            </a:srgbClr>
-          </a:solidFill>
-          <a:ln>
-            <a:noFill/>
-          </a:ln>
-        </p:spPr>
-        <p:style>
-          <a:lnRef idx="2">
-            <a:schemeClr val="accent1">
-              <a:shade val="50000"/>
-            </a:schemeClr>
-          </a:lnRef>
-          <a:fillRef idx="1">
-            <a:schemeClr val="accent1"/>
-          </a:fillRef>
-          <a:effectRef idx="0">
-            <a:schemeClr val="accent1"/>
-          </a:effectRef>
-          <a:fontRef idx="minor">
-            <a:schemeClr val="lt1"/>
-          </a:fontRef>
-        </p:style>
-        <p:txBody>
-          <a:bodyPr rtlCol="0" anchor="ctr"/>
-          <a:lstStyle/>
-          <a:p>
-            <a:pPr marL="0" marR="0" lvl="0" indent="0" algn="ctr" defTabSz="914400" rtl="0" eaLnBrk="1" fontAlgn="auto" latinLnBrk="0" hangingPunct="1">
-              <a:lnSpc>
-                <a:spcPct val="100000"/>
-              </a:lnSpc>
-              <a:spcBef>
-                <a:spcPts val="0"/>
-              </a:spcBef>
-              <a:spcAft>
-                <a:spcPts val="0"/>
-              </a:spcAft>
-              <a:buClrTx/>
-              <a:buSzTx/>
-              <a:buFontTx/>
-              <a:buNone/>
-              <a:tabLst/>
-              <a:defRPr/>
-            </a:pPr>
-            <a:endParaRPr kumimoji="0" lang="en-US" sz="1800" b="0" i="0" u="none" strike="noStrike" kern="1200" cap="none" spc="0" normalizeH="0" baseline="0" noProof="0">
-              <a:ln>
-                <a:noFill/>
-              </a:ln>
-              <a:solidFill>
-                <a:prstClr val="white"/>
-              </a:solidFill>
-              <a:effectLst/>
-              <a:uLnTx/>
-              <a:uFillTx/>
-              <a:latin typeface="Calibri" panose="020F0502020204030204"/>
-              <a:ea typeface="+mn-ea"/>
-              <a:cs typeface="+mn-cs"/>
-            </a:endParaRPr>
-          </a:p>
-        </p:txBody>
-      </p:sp>
       <p:pic>
         <p:nvPicPr>
           <p:cNvPr id="4" name="Picture 10" descr="New Technologies to Improve Real Estate Sales - Latest Real Estate News |  Latest Property Insights | India's No. 1 Property Portal – Pin Click">
@@ -12320,165 +11740,6 @@
           </a:extLst>
         </p:spPr>
       </p:pic>
-      <p:sp>
-        <p:nvSpPr>
-          <p:cNvPr id="99" name="Freeform: Shape 98">
-            <a:extLst>
-              <a:ext uri="{FF2B5EF4-FFF2-40B4-BE49-F238E27FC236}">
-                <a16:creationId xmlns:a16="http://schemas.microsoft.com/office/drawing/2014/main" id="{CDC29AC1-2821-4FCC-B597-88DAF39C36FE}"/>
-              </a:ext>
-              <a:ext uri="{C183D7F6-B498-43B3-948B-1728B52AA6E4}">
-                <adec:decorative xmlns:adec="http://schemas.microsoft.com/office/drawing/2017/decorative" val="1"/>
-              </a:ext>
-            </a:extLst>
-          </p:cNvPr>
-          <p:cNvSpPr>
-            <a:spLocks noGrp="1" noRot="1" noChangeAspect="1" noMove="1" noResize="1" noEditPoints="1" noAdjustHandles="1" noChangeArrowheads="1" noChangeShapeType="1" noTextEdit="1"/>
-          </p:cNvSpPr>
-          <p:nvPr>
-            <p:extLst>
-              <p:ext uri="{386F3935-93C4-4BCD-93E2-E3B085C9AB24}">
-                <p16:designElem xmlns:p16="http://schemas.microsoft.com/office/powerpoint/2015/main" val="1"/>
-              </p:ext>
-            </p:extLst>
-          </p:nvPr>
-        </p:nvSpPr>
-        <p:spPr>
-          <a:xfrm>
-            <a:off x="1653162" y="4604085"/>
-            <a:ext cx="4281112" cy="2253913"/>
-          </a:xfrm>
-          <a:custGeom>
-            <a:avLst/>
-            <a:gdLst>
-              <a:gd name="connsiteX0" fmla="*/ 2140556 w 4281112"/>
-              <a:gd name="connsiteY0" fmla="*/ 0 h 2253913"/>
-              <a:gd name="connsiteX1" fmla="*/ 4281112 w 4281112"/>
-              <a:gd name="connsiteY1" fmla="*/ 2140556 h 2253913"/>
-              <a:gd name="connsiteX2" fmla="*/ 4275388 w 4281112"/>
-              <a:gd name="connsiteY2" fmla="*/ 2253913 h 2253913"/>
-              <a:gd name="connsiteX3" fmla="*/ 5724 w 4281112"/>
-              <a:gd name="connsiteY3" fmla="*/ 2253913 h 2253913"/>
-              <a:gd name="connsiteX4" fmla="*/ 0 w 4281112"/>
-              <a:gd name="connsiteY4" fmla="*/ 2140556 h 2253913"/>
-              <a:gd name="connsiteX5" fmla="*/ 2140556 w 4281112"/>
-              <a:gd name="connsiteY5" fmla="*/ 0 h 2253913"/>
-            </a:gdLst>
-            <a:ahLst/>
-            <a:cxnLst>
-              <a:cxn ang="0">
-                <a:pos x="connsiteX0" y="connsiteY0"/>
-              </a:cxn>
-              <a:cxn ang="0">
-                <a:pos x="connsiteX1" y="connsiteY1"/>
-              </a:cxn>
-              <a:cxn ang="0">
-                <a:pos x="connsiteX2" y="connsiteY2"/>
-              </a:cxn>
-              <a:cxn ang="0">
-                <a:pos x="connsiteX3" y="connsiteY3"/>
-              </a:cxn>
-              <a:cxn ang="0">
-                <a:pos x="connsiteX4" y="connsiteY4"/>
-              </a:cxn>
-              <a:cxn ang="0">
-                <a:pos x="connsiteX5" y="connsiteY5"/>
-              </a:cxn>
-            </a:cxnLst>
-            <a:rect l="l" t="t" r="r" b="b"/>
-            <a:pathLst>
-              <a:path w="4281112" h="2253913">
-                <a:moveTo>
-                  <a:pt x="2140556" y="0"/>
-                </a:moveTo>
-                <a:cubicBezTo>
-                  <a:pt x="3322752" y="0"/>
-                  <a:pt x="4281112" y="958360"/>
-                  <a:pt x="4281112" y="2140556"/>
-                </a:cubicBezTo>
-                <a:lnTo>
-                  <a:pt x="4275388" y="2253913"/>
-                </a:lnTo>
-                <a:lnTo>
-                  <a:pt x="5724" y="2253913"/>
-                </a:lnTo>
-                <a:lnTo>
-                  <a:pt x="0" y="2140556"/>
-                </a:lnTo>
-                <a:cubicBezTo>
-                  <a:pt x="0" y="958360"/>
-                  <a:pt x="958360" y="0"/>
-                  <a:pt x="2140556" y="0"/>
-                </a:cubicBezTo>
-                <a:close/>
-              </a:path>
-            </a:pathLst>
-          </a:custGeom>
-          <a:solidFill>
-            <a:srgbClr val="FFFFFF">
-              <a:alpha val="80000"/>
-            </a:srgbClr>
-          </a:solidFill>
-          <a:ln>
-            <a:noFill/>
-          </a:ln>
-        </p:spPr>
-        <p:style>
-          <a:lnRef idx="2">
-            <a:schemeClr val="accent1">
-              <a:shade val="50000"/>
-            </a:schemeClr>
-          </a:lnRef>
-          <a:fillRef idx="1">
-            <a:schemeClr val="accent1"/>
-          </a:fillRef>
-          <a:effectRef idx="0">
-            <a:schemeClr val="accent1"/>
-          </a:effectRef>
-          <a:fontRef idx="minor">
-            <a:schemeClr val="lt1"/>
-          </a:fontRef>
-        </p:style>
-        <p:txBody>
-          <a:bodyPr wrap="square" rtlCol="0" anchor="ctr">
-            <a:noAutofit/>
-          </a:bodyPr>
-          <a:lstStyle/>
-          <a:p>
-            <a:pPr marL="0" marR="0" lvl="0" indent="0" algn="ctr" defTabSz="914400" rtl="0" eaLnBrk="1" fontAlgn="auto" latinLnBrk="0" hangingPunct="1">
-              <a:lnSpc>
-                <a:spcPct val="100000"/>
-              </a:lnSpc>
-              <a:spcBef>
-                <a:spcPts val="0"/>
-              </a:spcBef>
-              <a:spcAft>
-                <a:spcPts val="0"/>
-              </a:spcAft>
-              <a:buClrTx/>
-              <a:buSzTx/>
-              <a:buFontTx/>
-              <a:buNone/>
-              <a:tabLst/>
-              <a:defRPr/>
-            </a:pPr>
-            <a:endParaRPr kumimoji="0" lang="en-US" sz="1800" b="0" i="0" u="none" strike="noStrike" kern="1200" cap="none" spc="0" normalizeH="0" baseline="0" noProof="0">
-              <a:ln>
-                <a:noFill/>
-              </a:ln>
-              <a:solidFill>
-                <a:prstClr val="white"/>
-              </a:solidFill>
-              <a:effectLst/>
-              <a:uLnTx/>
-              <a:uFillTx/>
-              <a:latin typeface="Calibri" panose="020F0502020204030204"/>
-              <a:ea typeface="+mn-ea"/>
-              <a:cs typeface="+mn-cs"/>
-            </a:endParaRPr>
-          </a:p>
-        </p:txBody>
-      </p:sp>
       <p:pic>
         <p:nvPicPr>
           <p:cNvPr id="10254" name="Picture 14" descr="Best Online Banks of September 2020">
@@ -12555,183 +11816,6 @@
           </a:extLst>
         </p:spPr>
       </p:pic>
-      <p:sp>
-        <p:nvSpPr>
-          <p:cNvPr id="101" name="Freeform: Shape 100">
-            <a:extLst>
-              <a:ext uri="{FF2B5EF4-FFF2-40B4-BE49-F238E27FC236}">
-                <a16:creationId xmlns:a16="http://schemas.microsoft.com/office/drawing/2014/main" id="{C8F10CB3-3B5E-4C7A-98CF-B87454DDFA39}"/>
-              </a:ext>
-              <a:ext uri="{C183D7F6-B498-43B3-948B-1728B52AA6E4}">
-                <adec:decorative xmlns:adec="http://schemas.microsoft.com/office/drawing/2017/decorative" val="1"/>
-              </a:ext>
-            </a:extLst>
-          </p:cNvPr>
-          <p:cNvSpPr>
-            <a:spLocks noGrp="1" noRot="1" noChangeAspect="1" noMove="1" noResize="1" noEditPoints="1" noAdjustHandles="1" noChangeArrowheads="1" noChangeShapeType="1" noTextEdit="1"/>
-          </p:cNvSpPr>
-          <p:nvPr>
-            <p:extLst>
-              <p:ext uri="{386F3935-93C4-4BCD-93E2-E3B085C9AB24}">
-                <p16:designElem xmlns:p16="http://schemas.microsoft.com/office/powerpoint/2015/main" val="1"/>
-              </p:ext>
-            </p:extLst>
-          </p:nvPr>
-        </p:nvSpPr>
-        <p:spPr>
-          <a:xfrm>
-            <a:off x="8848370" y="3966828"/>
-            <a:ext cx="3339958" cy="2891173"/>
-          </a:xfrm>
-          <a:custGeom>
-            <a:avLst/>
-            <a:gdLst>
-              <a:gd name="connsiteX0" fmla="*/ 2002536 w 3339958"/>
-              <a:gd name="connsiteY0" fmla="*/ 0 h 2891173"/>
-              <a:gd name="connsiteX1" fmla="*/ 3276335 w 3339958"/>
-              <a:gd name="connsiteY1" fmla="*/ 457282 h 2891173"/>
-              <a:gd name="connsiteX2" fmla="*/ 3339958 w 3339958"/>
-              <a:gd name="connsiteY2" fmla="*/ 515107 h 2891173"/>
-              <a:gd name="connsiteX3" fmla="*/ 3339958 w 3339958"/>
-              <a:gd name="connsiteY3" fmla="*/ 2891173 h 2891173"/>
-              <a:gd name="connsiteX4" fmla="*/ 209954 w 3339958"/>
-              <a:gd name="connsiteY4" fmla="*/ 2891173 h 2891173"/>
-              <a:gd name="connsiteX5" fmla="*/ 157369 w 3339958"/>
-              <a:gd name="connsiteY5" fmla="*/ 2782014 h 2891173"/>
-              <a:gd name="connsiteX6" fmla="*/ 0 w 3339958"/>
-              <a:gd name="connsiteY6" fmla="*/ 2002536 h 2891173"/>
-              <a:gd name="connsiteX7" fmla="*/ 2002536 w 3339958"/>
-              <a:gd name="connsiteY7" fmla="*/ 0 h 2891173"/>
-            </a:gdLst>
-            <a:ahLst/>
-            <a:cxnLst>
-              <a:cxn ang="0">
-                <a:pos x="connsiteX0" y="connsiteY0"/>
-              </a:cxn>
-              <a:cxn ang="0">
-                <a:pos x="connsiteX1" y="connsiteY1"/>
-              </a:cxn>
-              <a:cxn ang="0">
-                <a:pos x="connsiteX2" y="connsiteY2"/>
-              </a:cxn>
-              <a:cxn ang="0">
-                <a:pos x="connsiteX3" y="connsiteY3"/>
-              </a:cxn>
-              <a:cxn ang="0">
-                <a:pos x="connsiteX4" y="connsiteY4"/>
-              </a:cxn>
-              <a:cxn ang="0">
-                <a:pos x="connsiteX5" y="connsiteY5"/>
-              </a:cxn>
-              <a:cxn ang="0">
-                <a:pos x="connsiteX6" y="connsiteY6"/>
-              </a:cxn>
-              <a:cxn ang="0">
-                <a:pos x="connsiteX7" y="connsiteY7"/>
-              </a:cxn>
-            </a:cxnLst>
-            <a:rect l="l" t="t" r="r" b="b"/>
-            <a:pathLst>
-              <a:path w="3339958" h="2891173">
-                <a:moveTo>
-                  <a:pt x="2002536" y="0"/>
-                </a:moveTo>
-                <a:cubicBezTo>
-                  <a:pt x="2486398" y="0"/>
-                  <a:pt x="2930179" y="171609"/>
-                  <a:pt x="3276335" y="457282"/>
-                </a:cubicBezTo>
-                <a:lnTo>
-                  <a:pt x="3339958" y="515107"/>
-                </a:lnTo>
-                <a:lnTo>
-                  <a:pt x="3339958" y="2891173"/>
-                </a:lnTo>
-                <a:lnTo>
-                  <a:pt x="209954" y="2891173"/>
-                </a:lnTo>
-                <a:lnTo>
-                  <a:pt x="157369" y="2782014"/>
-                </a:lnTo>
-                <a:cubicBezTo>
-                  <a:pt x="56036" y="2542434"/>
-                  <a:pt x="0" y="2279029"/>
-                  <a:pt x="0" y="2002536"/>
-                </a:cubicBezTo>
-                <a:cubicBezTo>
-                  <a:pt x="0" y="896566"/>
-                  <a:pt x="896566" y="0"/>
-                  <a:pt x="2002536" y="0"/>
-                </a:cubicBezTo>
-                <a:close/>
-              </a:path>
-            </a:pathLst>
-          </a:custGeom>
-          <a:solidFill>
-            <a:srgbClr val="FFFFFF">
-              <a:alpha val="80000"/>
-            </a:srgbClr>
-          </a:solidFill>
-          <a:ln>
-            <a:noFill/>
-          </a:ln>
-        </p:spPr>
-        <p:style>
-          <a:lnRef idx="2">
-            <a:schemeClr val="accent1">
-              <a:shade val="50000"/>
-            </a:schemeClr>
-          </a:lnRef>
-          <a:fillRef idx="1">
-            <a:schemeClr val="accent1"/>
-          </a:fillRef>
-          <a:effectRef idx="0">
-            <a:schemeClr val="accent1"/>
-          </a:effectRef>
-          <a:fontRef idx="minor">
-            <a:schemeClr val="lt1"/>
-          </a:fontRef>
-        </p:style>
-        <p:txBody>
-          <a:bodyPr wrap="square" rtlCol="0" anchor="ctr">
-            <a:noAutofit/>
-          </a:bodyPr>
-          <a:lstStyle/>
-          <a:p>
-            <a:pPr marL="0" marR="0" lvl="0" indent="0" algn="ctr" defTabSz="914400" rtl="0" eaLnBrk="1" fontAlgn="auto" latinLnBrk="0" hangingPunct="1">
-              <a:lnSpc>
-                <a:spcPct val="100000"/>
-              </a:lnSpc>
-              <a:spcBef>
-                <a:spcPts val="0"/>
-              </a:spcBef>
-              <a:spcAft>
-                <a:spcPts val="0"/>
-              </a:spcAft>
-              <a:buClrTx/>
-              <a:buSzTx/>
-              <a:buFontTx/>
-              <a:buNone/>
-              <a:tabLst/>
-              <a:defRPr/>
-            </a:pPr>
-            <a:endParaRPr kumimoji="0" lang="en-US" sz="1800" b="0" i="0" u="none" strike="noStrike" kern="1200" cap="none" spc="0" normalizeH="0" baseline="0" noProof="0" dirty="0">
-              <a:ln>
-                <a:noFill/>
-              </a:ln>
-              <a:solidFill>
-                <a:prstClr val="white"/>
-              </a:solidFill>
-              <a:effectLst/>
-              <a:uLnTx/>
-              <a:uFillTx/>
-              <a:latin typeface="Calibri" panose="020F0502020204030204"/>
-              <a:ea typeface="+mn-ea"/>
-              <a:cs typeface="+mn-cs"/>
-            </a:endParaRPr>
-          </a:p>
-        </p:txBody>
-      </p:sp>
       <p:pic>
         <p:nvPicPr>
           <p:cNvPr id="10246" name="Picture 6" descr="Stocks to Buy: 5 stocks that can be good buys although shunned by  institutional investors">
@@ -13805,7 +12889,7 @@
                   </a:schemeClr>
                 </a:solidFill>
               </a:rPr>
-              <a:t>This model building framework could be adjusted to build models for different markets.</a:t>
+              <a:t>The model building framework could be adjusted to build models for different markets.</a:t>
             </a:r>
           </a:p>
           <a:p>
@@ -15043,7 +14127,7 @@
             </a:pPr>
             <a:r>
               <a:rPr lang="en-US" dirty="0"/>
-              <a:t>SALE PRICE is affected by LAND AND GROSS SQUARE FEETS</a:t>
+              <a:t>SALE PRICE is correlated the most with LAND AND GROSS SQUARE FEETS</a:t>
             </a:r>
           </a:p>
           <a:p>
@@ -15181,17 +14265,6 @@
                 <a:spcPts val="1000"/>
               </a:spcBef>
             </a:pPr>
-            <a:r>
-              <a:rPr lang="en-US" sz="3200" dirty="0">
-                <a:solidFill>
-                  <a:prstClr val="white"/>
-                </a:solidFill>
-                <a:latin typeface="Calibri" panose="020F0502020204030204"/>
-                <a:ea typeface="+mn-ea"/>
-                <a:cs typeface="+mn-cs"/>
-              </a:rPr>
-              <a:t>TAX CLASS and BUILDING CLASS CATEGORY</a:t>
-            </a:r>
             <a:br>
               <a:rPr lang="en-US" sz="2000" dirty="0">
                 <a:solidFill>
@@ -15211,7 +14284,28 @@
                 <a:ea typeface="+mn-ea"/>
                 <a:cs typeface="+mn-cs"/>
               </a:rPr>
-              <a:t>The most important features for model predicting </a:t>
+              <a:t>The most important features for this model predicting are</a:t>
+            </a:r>
+            <a:br>
+              <a:rPr lang="en-US" sz="2000" dirty="0">
+                <a:solidFill>
+                  <a:prstClr val="white"/>
+                </a:solidFill>
+                <a:latin typeface="Calibri" panose="020F0502020204030204"/>
+                <a:ea typeface="+mn-ea"/>
+                <a:cs typeface="+mn-cs"/>
+              </a:rPr>
+            </a:br>
+            <a:r>
+              <a:rPr lang="en-US" sz="2000" dirty="0">
+                <a:solidFill>
+                  <a:prstClr val="white"/>
+                </a:solidFill>
+                <a:latin typeface="Calibri" panose="020F0502020204030204"/>
+                <a:ea typeface="+mn-ea"/>
+                <a:cs typeface="+mn-cs"/>
+              </a:rPr>
+              <a:t>TAX CLASS and BUILDING CLASS CATEGORIES</a:t>
             </a:r>
             <a:endParaRPr lang="en-US" dirty="0"/>
           </a:p>
@@ -15759,267 +14853,6 @@
 </file>
 
 <file path=ppt/theme/theme3.xml><?xml version="1.0" encoding="utf-8"?>
-<a:theme xmlns:a="http://schemas.openxmlformats.org/drawingml/2006/main" name="2_Office Theme">
-  <a:themeElements>
-    <a:clrScheme name="Office Theme">
-      <a:dk1>
-        <a:sysClr val="windowText" lastClr="000000"/>
-      </a:dk1>
-      <a:lt1>
-        <a:sysClr val="window" lastClr="FFFFFF"/>
-      </a:lt1>
-      <a:dk2>
-        <a:srgbClr val="44546A"/>
-      </a:dk2>
-      <a:lt2>
-        <a:srgbClr val="E7E6E6"/>
-      </a:lt2>
-      <a:accent1>
-        <a:srgbClr val="29AF8C"/>
-      </a:accent1>
-      <a:accent2>
-        <a:srgbClr val="97BE49"/>
-      </a:accent2>
-      <a:accent3>
-        <a:srgbClr val="3D9CCC"/>
-      </a:accent3>
-      <a:accent4>
-        <a:srgbClr val="7C60C6"/>
-      </a:accent4>
-      <a:accent5>
-        <a:srgbClr val="C9492C"/>
-      </a:accent5>
-      <a:accent6>
-        <a:srgbClr val="D58C2E"/>
-      </a:accent6>
-      <a:hlink>
-        <a:srgbClr val="0563C1"/>
-      </a:hlink>
-      <a:folHlink>
-        <a:srgbClr val="954F72"/>
-      </a:folHlink>
-    </a:clrScheme>
-    <a:fontScheme name="Office Theme">
-      <a:majorFont>
-        <a:latin typeface="Calibri Light" panose="020F0302020204030204"/>
-        <a:ea typeface=""/>
-        <a:cs typeface=""/>
-        <a:font script="Jpan" typeface="游ゴシック Light"/>
-        <a:font script="Hang" typeface="맑은 고딕"/>
-        <a:font script="Hans" typeface="等线 Light"/>
-        <a:font script="Hant" typeface="新細明體"/>
-        <a:font script="Arab" typeface="Times New Roman"/>
-        <a:font script="Hebr" typeface="Times New Roman"/>
-        <a:font script="Thai" typeface="Angsana New"/>
-        <a:font script="Ethi" typeface="Nyala"/>
-        <a:font script="Beng" typeface="Vrinda"/>
-        <a:font script="Gujr" typeface="Shruti"/>
-        <a:font script="Khmr" typeface="MoolBoran"/>
-        <a:font script="Knda" typeface="Tunga"/>
-        <a:font script="Guru" typeface="Raavi"/>
-        <a:font script="Cans" typeface="Euphemia"/>
-        <a:font script="Cher" typeface="Plantagenet Cherokee"/>
-        <a:font script="Yiii" typeface="Microsoft Yi Baiti"/>
-        <a:font script="Tibt" typeface="Microsoft Himalaya"/>
-        <a:font script="Thaa" typeface="MV Boli"/>
-        <a:font script="Deva" typeface="Mangal"/>
-        <a:font script="Telu" typeface="Gautami"/>
-        <a:font script="Taml" typeface="Latha"/>
-        <a:font script="Syrc" typeface="Estrangelo Edessa"/>
-        <a:font script="Orya" typeface="Kalinga"/>
-        <a:font script="Mlym" typeface="Kartika"/>
-        <a:font script="Laoo" typeface="DokChampa"/>
-        <a:font script="Sinh" typeface="Iskoola Pota"/>
-        <a:font script="Mong" typeface="Mongolian Baiti"/>
-        <a:font script="Viet" typeface="Times New Roman"/>
-        <a:font script="Uigh" typeface="Microsoft Uighur"/>
-        <a:font script="Geor" typeface="Sylfaen"/>
-      </a:majorFont>
-      <a:minorFont>
-        <a:latin typeface="Calibri" panose="020F0502020204030204"/>
-        <a:ea typeface=""/>
-        <a:cs typeface=""/>
-        <a:font script="Jpan" typeface="游ゴシック"/>
-        <a:font script="Hang" typeface="맑은 고딕"/>
-        <a:font script="Hans" typeface="等线"/>
-        <a:font script="Hant" typeface="新細明體"/>
-        <a:font script="Arab" typeface="Arial"/>
-        <a:font script="Hebr" typeface="Arial"/>
-        <a:font script="Thai" typeface="Cordia New"/>
-        <a:font script="Ethi" typeface="Nyala"/>
-        <a:font script="Beng" typeface="Vrinda"/>
-        <a:font script="Gujr" typeface="Shruti"/>
-        <a:font script="Khmr" typeface="DaunPenh"/>
-        <a:font script="Knda" typeface="Tunga"/>
-        <a:font script="Guru" typeface="Raavi"/>
-        <a:font script="Cans" typeface="Euphemia"/>
-        <a:font script="Cher" typeface="Plantagenet Cherokee"/>
-        <a:font script="Yiii" typeface="Microsoft Yi Baiti"/>
-        <a:font script="Tibt" typeface="Microsoft Himalaya"/>
-        <a:font script="Thaa" typeface="MV Boli"/>
-        <a:font script="Deva" typeface="Mangal"/>
-        <a:font script="Telu" typeface="Gautami"/>
-        <a:font script="Taml" typeface="Latha"/>
-        <a:font script="Syrc" typeface="Estrangelo Edessa"/>
-        <a:font script="Orya" typeface="Kalinga"/>
-        <a:font script="Mlym" typeface="Kartika"/>
-        <a:font script="Laoo" typeface="DokChampa"/>
-        <a:font script="Sinh" typeface="Iskoola Pota"/>
-        <a:font script="Mong" typeface="Mongolian Baiti"/>
-        <a:font script="Viet" typeface="Arial"/>
-        <a:font script="Uigh" typeface="Microsoft Uighur"/>
-        <a:font script="Geor" typeface="Sylfaen"/>
-      </a:minorFont>
-    </a:fontScheme>
-    <a:fmtScheme name="Office Theme">
-      <a:fillStyleLst>
-        <a:solidFill>
-          <a:schemeClr val="phClr"/>
-        </a:solidFill>
-        <a:gradFill rotWithShape="1">
-          <a:gsLst>
-            <a:gs pos="0">
-              <a:schemeClr val="phClr">
-                <a:lumMod val="110000"/>
-                <a:satMod val="105000"/>
-                <a:tint val="67000"/>
-              </a:schemeClr>
-            </a:gs>
-            <a:gs pos="50000">
-              <a:schemeClr val="phClr">
-                <a:lumMod val="105000"/>
-                <a:satMod val="103000"/>
-                <a:tint val="73000"/>
-              </a:schemeClr>
-            </a:gs>
-            <a:gs pos="100000">
-              <a:schemeClr val="phClr">
-                <a:lumMod val="105000"/>
-                <a:satMod val="109000"/>
-                <a:tint val="81000"/>
-              </a:schemeClr>
-            </a:gs>
-          </a:gsLst>
-          <a:lin ang="5400000" scaled="0"/>
-        </a:gradFill>
-        <a:gradFill rotWithShape="1">
-          <a:gsLst>
-            <a:gs pos="0">
-              <a:schemeClr val="phClr">
-                <a:satMod val="103000"/>
-                <a:lumMod val="102000"/>
-                <a:tint val="94000"/>
-              </a:schemeClr>
-            </a:gs>
-            <a:gs pos="50000">
-              <a:schemeClr val="phClr">
-                <a:satMod val="110000"/>
-                <a:lumMod val="100000"/>
-                <a:shade val="100000"/>
-              </a:schemeClr>
-            </a:gs>
-            <a:gs pos="100000">
-              <a:schemeClr val="phClr">
-                <a:lumMod val="99000"/>
-                <a:satMod val="120000"/>
-                <a:shade val="78000"/>
-              </a:schemeClr>
-            </a:gs>
-          </a:gsLst>
-          <a:lin ang="5400000" scaled="0"/>
-        </a:gradFill>
-      </a:fillStyleLst>
-      <a:lnStyleLst>
-        <a:ln w="6350" cap="flat" cmpd="sng" algn="ctr">
-          <a:solidFill>
-            <a:schemeClr val="phClr"/>
-          </a:solidFill>
-          <a:prstDash val="solid"/>
-          <a:miter lim="800000"/>
-        </a:ln>
-        <a:ln w="12700" cap="flat" cmpd="sng" algn="ctr">
-          <a:solidFill>
-            <a:schemeClr val="phClr"/>
-          </a:solidFill>
-          <a:prstDash val="solid"/>
-          <a:miter lim="800000"/>
-        </a:ln>
-        <a:ln w="19050" cap="flat" cmpd="sng" algn="ctr">
-          <a:solidFill>
-            <a:schemeClr val="phClr"/>
-          </a:solidFill>
-          <a:prstDash val="solid"/>
-          <a:miter lim="800000"/>
-        </a:ln>
-      </a:lnStyleLst>
-      <a:effectStyleLst>
-        <a:effectStyle>
-          <a:effectLst/>
-        </a:effectStyle>
-        <a:effectStyle>
-          <a:effectLst/>
-        </a:effectStyle>
-        <a:effectStyle>
-          <a:effectLst>
-            <a:outerShdw blurRad="57150" dist="19050" dir="5400000" algn="ctr" rotWithShape="0">
-              <a:srgbClr val="000000">
-                <a:alpha val="63000"/>
-              </a:srgbClr>
-            </a:outerShdw>
-          </a:effectLst>
-        </a:effectStyle>
-      </a:effectStyleLst>
-      <a:bgFillStyleLst>
-        <a:solidFill>
-          <a:schemeClr val="phClr"/>
-        </a:solidFill>
-        <a:solidFill>
-          <a:schemeClr val="phClr">
-            <a:tint val="95000"/>
-            <a:satMod val="170000"/>
-          </a:schemeClr>
-        </a:solidFill>
-        <a:gradFill rotWithShape="1">
-          <a:gsLst>
-            <a:gs pos="0">
-              <a:schemeClr val="phClr">
-                <a:tint val="93000"/>
-                <a:satMod val="150000"/>
-                <a:shade val="98000"/>
-                <a:lumMod val="102000"/>
-              </a:schemeClr>
-            </a:gs>
-            <a:gs pos="50000">
-              <a:schemeClr val="phClr">
-                <a:tint val="98000"/>
-                <a:satMod val="130000"/>
-                <a:shade val="90000"/>
-                <a:lumMod val="103000"/>
-              </a:schemeClr>
-            </a:gs>
-            <a:gs pos="100000">
-              <a:schemeClr val="phClr">
-                <a:shade val="63000"/>
-                <a:satMod val="120000"/>
-              </a:schemeClr>
-            </a:gs>
-          </a:gsLst>
-          <a:lin ang="5400000" scaled="0"/>
-        </a:gradFill>
-      </a:bgFillStyleLst>
-    </a:fmtScheme>
-  </a:themeElements>
-  <a:objectDefaults/>
-  <a:extraClrSchemeLst/>
-  <a:extLst>
-    <a:ext uri="{05A4C25C-085E-4340-85A3-A5531E510DB2}">
-      <thm15:themeFamily xmlns:thm15="http://schemas.microsoft.com/office/thememl/2012/main" name="Office Theme" id="{62F939B6-93AF-4DB8-9C6B-D6C7DFDC589F}" vid="{3E4F19A7-A959-40BB-972C-4880BAF8EB09}"/>
-    </a:ext>
-  </a:extLst>
-</a:theme>
-</file>
-
-<file path=ppt/theme/theme4.xml><?xml version="1.0" encoding="utf-8"?>
 <a:theme xmlns:a="http://schemas.openxmlformats.org/drawingml/2006/main" name="3_Office Theme">
   <a:themeElements>
     <a:clrScheme name="Office Theme">
@@ -16278,4 +15111,265 @@
     </a:ext>
   </a:extLst>
 </a:theme>
+</file>
+
+<file path=ppt/theme/theme4.xml><?xml version="1.0" encoding="utf-8"?>
+<a:theme xmlns:a="http://schemas.openxmlformats.org/drawingml/2006/main" name="1_Office Theme">
+  <a:themeElements>
+    <a:clrScheme name="Office Theme">
+      <a:dk1>
+        <a:sysClr val="windowText" lastClr="000000"/>
+      </a:dk1>
+      <a:lt1>
+        <a:sysClr val="window" lastClr="FFFFFF"/>
+      </a:lt1>
+      <a:dk2>
+        <a:srgbClr val="44546A"/>
+      </a:dk2>
+      <a:lt2>
+        <a:srgbClr val="E7E6E6"/>
+      </a:lt2>
+      <a:accent1>
+        <a:srgbClr val="29AF8C"/>
+      </a:accent1>
+      <a:accent2>
+        <a:srgbClr val="97BE49"/>
+      </a:accent2>
+      <a:accent3>
+        <a:srgbClr val="3D9CCC"/>
+      </a:accent3>
+      <a:accent4>
+        <a:srgbClr val="7C60C6"/>
+      </a:accent4>
+      <a:accent5>
+        <a:srgbClr val="C9492C"/>
+      </a:accent5>
+      <a:accent6>
+        <a:srgbClr val="D58C2E"/>
+      </a:accent6>
+      <a:hlink>
+        <a:srgbClr val="0563C1"/>
+      </a:hlink>
+      <a:folHlink>
+        <a:srgbClr val="954F72"/>
+      </a:folHlink>
+    </a:clrScheme>
+    <a:fontScheme name="Office Theme">
+      <a:majorFont>
+        <a:latin typeface="Calibri Light" panose="020F0302020204030204"/>
+        <a:ea typeface=""/>
+        <a:cs typeface=""/>
+        <a:font script="Jpan" typeface="游ゴシック Light"/>
+        <a:font script="Hang" typeface="맑은 고딕"/>
+        <a:font script="Hans" typeface="等线 Light"/>
+        <a:font script="Hant" typeface="新細明體"/>
+        <a:font script="Arab" typeface="Times New Roman"/>
+        <a:font script="Hebr" typeface="Times New Roman"/>
+        <a:font script="Thai" typeface="Angsana New"/>
+        <a:font script="Ethi" typeface="Nyala"/>
+        <a:font script="Beng" typeface="Vrinda"/>
+        <a:font script="Gujr" typeface="Shruti"/>
+        <a:font script="Khmr" typeface="MoolBoran"/>
+        <a:font script="Knda" typeface="Tunga"/>
+        <a:font script="Guru" typeface="Raavi"/>
+        <a:font script="Cans" typeface="Euphemia"/>
+        <a:font script="Cher" typeface="Plantagenet Cherokee"/>
+        <a:font script="Yiii" typeface="Microsoft Yi Baiti"/>
+        <a:font script="Tibt" typeface="Microsoft Himalaya"/>
+        <a:font script="Thaa" typeface="MV Boli"/>
+        <a:font script="Deva" typeface="Mangal"/>
+        <a:font script="Telu" typeface="Gautami"/>
+        <a:font script="Taml" typeface="Latha"/>
+        <a:font script="Syrc" typeface="Estrangelo Edessa"/>
+        <a:font script="Orya" typeface="Kalinga"/>
+        <a:font script="Mlym" typeface="Kartika"/>
+        <a:font script="Laoo" typeface="DokChampa"/>
+        <a:font script="Sinh" typeface="Iskoola Pota"/>
+        <a:font script="Mong" typeface="Mongolian Baiti"/>
+        <a:font script="Viet" typeface="Times New Roman"/>
+        <a:font script="Uigh" typeface="Microsoft Uighur"/>
+        <a:font script="Geor" typeface="Sylfaen"/>
+      </a:majorFont>
+      <a:minorFont>
+        <a:latin typeface="Calibri" panose="020F0502020204030204"/>
+        <a:ea typeface=""/>
+        <a:cs typeface=""/>
+        <a:font script="Jpan" typeface="游ゴシック"/>
+        <a:font script="Hang" typeface="맑은 고딕"/>
+        <a:font script="Hans" typeface="等线"/>
+        <a:font script="Hant" typeface="新細明體"/>
+        <a:font script="Arab" typeface="Arial"/>
+        <a:font script="Hebr" typeface="Arial"/>
+        <a:font script="Thai" typeface="Cordia New"/>
+        <a:font script="Ethi" typeface="Nyala"/>
+        <a:font script="Beng" typeface="Vrinda"/>
+        <a:font script="Gujr" typeface="Shruti"/>
+        <a:font script="Khmr" typeface="DaunPenh"/>
+        <a:font script="Knda" typeface="Tunga"/>
+        <a:font script="Guru" typeface="Raavi"/>
+        <a:font script="Cans" typeface="Euphemia"/>
+        <a:font script="Cher" typeface="Plantagenet Cherokee"/>
+        <a:font script="Yiii" typeface="Microsoft Yi Baiti"/>
+        <a:font script="Tibt" typeface="Microsoft Himalaya"/>
+        <a:font script="Thaa" typeface="MV Boli"/>
+        <a:font script="Deva" typeface="Mangal"/>
+        <a:font script="Telu" typeface="Gautami"/>
+        <a:font script="Taml" typeface="Latha"/>
+        <a:font script="Syrc" typeface="Estrangelo Edessa"/>
+        <a:font script="Orya" typeface="Kalinga"/>
+        <a:font script="Mlym" typeface="Kartika"/>
+        <a:font script="Laoo" typeface="DokChampa"/>
+        <a:font script="Sinh" typeface="Iskoola Pota"/>
+        <a:font script="Mong" typeface="Mongolian Baiti"/>
+        <a:font script="Viet" typeface="Arial"/>
+        <a:font script="Uigh" typeface="Microsoft Uighur"/>
+        <a:font script="Geor" typeface="Sylfaen"/>
+      </a:minorFont>
+    </a:fontScheme>
+    <a:fmtScheme name="Office Theme">
+      <a:fillStyleLst>
+        <a:solidFill>
+          <a:schemeClr val="phClr"/>
+        </a:solidFill>
+        <a:gradFill rotWithShape="1">
+          <a:gsLst>
+            <a:gs pos="0">
+              <a:schemeClr val="phClr">
+                <a:lumMod val="110000"/>
+                <a:satMod val="105000"/>
+                <a:tint val="67000"/>
+              </a:schemeClr>
+            </a:gs>
+            <a:gs pos="50000">
+              <a:schemeClr val="phClr">
+                <a:lumMod val="105000"/>
+                <a:satMod val="103000"/>
+                <a:tint val="73000"/>
+              </a:schemeClr>
+            </a:gs>
+            <a:gs pos="100000">
+              <a:schemeClr val="phClr">
+                <a:lumMod val="105000"/>
+                <a:satMod val="109000"/>
+                <a:tint val="81000"/>
+              </a:schemeClr>
+            </a:gs>
+          </a:gsLst>
+          <a:lin ang="5400000" scaled="0"/>
+        </a:gradFill>
+        <a:gradFill rotWithShape="1">
+          <a:gsLst>
+            <a:gs pos="0">
+              <a:schemeClr val="phClr">
+                <a:satMod val="103000"/>
+                <a:lumMod val="102000"/>
+                <a:tint val="94000"/>
+              </a:schemeClr>
+            </a:gs>
+            <a:gs pos="50000">
+              <a:schemeClr val="phClr">
+                <a:satMod val="110000"/>
+                <a:lumMod val="100000"/>
+                <a:shade val="100000"/>
+              </a:schemeClr>
+            </a:gs>
+            <a:gs pos="100000">
+              <a:schemeClr val="phClr">
+                <a:lumMod val="99000"/>
+                <a:satMod val="120000"/>
+                <a:shade val="78000"/>
+              </a:schemeClr>
+            </a:gs>
+          </a:gsLst>
+          <a:lin ang="5400000" scaled="0"/>
+        </a:gradFill>
+      </a:fillStyleLst>
+      <a:lnStyleLst>
+        <a:ln w="6350" cap="flat" cmpd="sng" algn="ctr">
+          <a:solidFill>
+            <a:schemeClr val="phClr"/>
+          </a:solidFill>
+          <a:prstDash val="solid"/>
+          <a:miter lim="800000"/>
+        </a:ln>
+        <a:ln w="12700" cap="flat" cmpd="sng" algn="ctr">
+          <a:solidFill>
+            <a:schemeClr val="phClr"/>
+          </a:solidFill>
+          <a:prstDash val="solid"/>
+          <a:miter lim="800000"/>
+        </a:ln>
+        <a:ln w="19050" cap="flat" cmpd="sng" algn="ctr">
+          <a:solidFill>
+            <a:schemeClr val="phClr"/>
+          </a:solidFill>
+          <a:prstDash val="solid"/>
+          <a:miter lim="800000"/>
+        </a:ln>
+      </a:lnStyleLst>
+      <a:effectStyleLst>
+        <a:effectStyle>
+          <a:effectLst/>
+        </a:effectStyle>
+        <a:effectStyle>
+          <a:effectLst/>
+        </a:effectStyle>
+        <a:effectStyle>
+          <a:effectLst>
+            <a:outerShdw blurRad="57150" dist="19050" dir="5400000" algn="ctr" rotWithShape="0">
+              <a:srgbClr val="000000">
+                <a:alpha val="63000"/>
+              </a:srgbClr>
+            </a:outerShdw>
+          </a:effectLst>
+        </a:effectStyle>
+      </a:effectStyleLst>
+      <a:bgFillStyleLst>
+        <a:solidFill>
+          <a:schemeClr val="phClr"/>
+        </a:solidFill>
+        <a:solidFill>
+          <a:schemeClr val="phClr">
+            <a:tint val="95000"/>
+            <a:satMod val="170000"/>
+          </a:schemeClr>
+        </a:solidFill>
+        <a:gradFill rotWithShape="1">
+          <a:gsLst>
+            <a:gs pos="0">
+              <a:schemeClr val="phClr">
+                <a:tint val="93000"/>
+                <a:satMod val="150000"/>
+                <a:shade val="98000"/>
+                <a:lumMod val="102000"/>
+              </a:schemeClr>
+            </a:gs>
+            <a:gs pos="50000">
+              <a:schemeClr val="phClr">
+                <a:tint val="98000"/>
+                <a:satMod val="130000"/>
+                <a:shade val="90000"/>
+                <a:lumMod val="103000"/>
+              </a:schemeClr>
+            </a:gs>
+            <a:gs pos="100000">
+              <a:schemeClr val="phClr">
+                <a:shade val="63000"/>
+                <a:satMod val="120000"/>
+              </a:schemeClr>
+            </a:gs>
+          </a:gsLst>
+          <a:lin ang="5400000" scaled="0"/>
+        </a:gradFill>
+      </a:bgFillStyleLst>
+    </a:fmtScheme>
+  </a:themeElements>
+  <a:objectDefaults/>
+  <a:extraClrSchemeLst/>
+  <a:extLst>
+    <a:ext uri="{05A4C25C-085E-4340-85A3-A5531E510DB2}">
+      <thm15:themeFamily xmlns:thm15="http://schemas.microsoft.com/office/thememl/2012/main" name="Office Theme" id="{62F939B6-93AF-4DB8-9C6B-D6C7DFDC589F}" vid="{3E4F19A7-A959-40BB-972C-4880BAF8EB09}"/>
+    </a:ext>
+  </a:extLst>
+</a:theme>
 </file>
--- a/capstone/NY_real_estate/NYC property price prediction.pptx
+++ b/capstone/NY_real_estate/NYC property price prediction.pptx
@@ -293,7 +293,7 @@
           <a:p>
             <a:fld id="{72EA7947-E287-4738-8C82-07CE4F01EF03}" type="datetime2">
               <a:rPr lang="en-US" smtClean="0"/>
-              <a:t>Thursday, September 17, 2020</a:t>
+              <a:t>Monday, September 21, 2020</a:t>
             </a:fld>
             <a:endParaRPr lang="en-US" dirty="0"/>
           </a:p>
@@ -1429,7 +1429,7 @@
           <a:p>
             <a:fld id="{246CB39B-5F4C-4A7E-9BE3-AAFD45576D16}" type="datetime2">
               <a:rPr lang="en-US" smtClean="0"/>
-              <a:t>Thursday, September 17, 2020</a:t>
+              <a:t>Monday, September 21, 2020</a:t>
             </a:fld>
             <a:endParaRPr lang="en-US" dirty="0"/>
           </a:p>
@@ -1723,7 +1723,7 @@
           <a:p>
             <a:fld id="{246CB39B-5F4C-4A7E-9BE3-AAFD45576D16}" type="datetime2">
               <a:rPr lang="en-US" smtClean="0"/>
-              <a:t>Thursday, September 17, 2020</a:t>
+              <a:t>Monday, September 21, 2020</a:t>
             </a:fld>
             <a:endParaRPr lang="en-US" dirty="0"/>
           </a:p>
@@ -1927,7 +1927,7 @@
           <a:p>
             <a:fld id="{246CB39B-5F4C-4A7E-9BE3-AAFD45576D16}" type="datetime2">
               <a:rPr lang="en-US" smtClean="0"/>
-              <a:t>Thursday, September 17, 2020</a:t>
+              <a:t>Monday, September 21, 2020</a:t>
             </a:fld>
             <a:endParaRPr lang="en-US" dirty="0"/>
           </a:p>
@@ -2141,7 +2141,7 @@
           <a:p>
             <a:fld id="{246CB39B-5F4C-4A7E-9BE3-AAFD45576D16}" type="datetime2">
               <a:rPr lang="en-US" smtClean="0"/>
-              <a:t>Thursday, September 17, 2020</a:t>
+              <a:t>Monday, September 21, 2020</a:t>
             </a:fld>
             <a:endParaRPr lang="en-US" dirty="0"/>
           </a:p>
@@ -2351,7 +2351,7 @@
           <a:p>
             <a:fld id="{72EA7947-E287-4738-8C82-07CE4F01EF03}" type="datetime2">
               <a:rPr lang="en-US" smtClean="0"/>
-              <a:t>Thursday, September 17, 2020</a:t>
+              <a:t>Monday, September 21, 2020</a:t>
             </a:fld>
             <a:endParaRPr lang="en-US" dirty="0"/>
           </a:p>
@@ -2524,7 +2524,7 @@
           <a:p>
             <a:fld id="{246CB39B-5F4C-4A7E-9BE3-AAFD45576D16}" type="datetime2">
               <a:rPr lang="en-US" smtClean="0"/>
-              <a:t>Thursday, September 17, 2020</a:t>
+              <a:t>Monday, September 21, 2020</a:t>
             </a:fld>
             <a:endParaRPr lang="en-US" dirty="0"/>
           </a:p>
@@ -2776,7 +2776,7 @@
           <a:p>
             <a:fld id="{246CB39B-5F4C-4A7E-9BE3-AAFD45576D16}" type="datetime2">
               <a:rPr lang="en-US" smtClean="0"/>
-              <a:t>Thursday, September 17, 2020</a:t>
+              <a:t>Monday, September 21, 2020</a:t>
             </a:fld>
             <a:endParaRPr lang="en-US" dirty="0"/>
           </a:p>
@@ -3014,7 +3014,7 @@
           <a:p>
             <a:fld id="{246CB39B-5F4C-4A7E-9BE3-AAFD45576D16}" type="datetime2">
               <a:rPr lang="en-US" smtClean="0"/>
-              <a:t>Thursday, September 17, 2020</a:t>
+              <a:t>Monday, September 21, 2020</a:t>
             </a:fld>
             <a:endParaRPr lang="en-US" dirty="0"/>
           </a:p>
@@ -3387,7 +3387,7 @@
           <a:p>
             <a:fld id="{246CB39B-5F4C-4A7E-9BE3-AAFD45576D16}" type="datetime2">
               <a:rPr lang="en-US" smtClean="0"/>
-              <a:t>Thursday, September 17, 2020</a:t>
+              <a:t>Monday, September 21, 2020</a:t>
             </a:fld>
             <a:endParaRPr lang="en-US" dirty="0"/>
           </a:p>
@@ -3511,7 +3511,7 @@
           <a:p>
             <a:fld id="{246CB39B-5F4C-4A7E-9BE3-AAFD45576D16}" type="datetime2">
               <a:rPr lang="en-US" smtClean="0"/>
-              <a:t>Thursday, September 17, 2020</a:t>
+              <a:t>Monday, September 21, 2020</a:t>
             </a:fld>
             <a:endParaRPr lang="en-US" dirty="0"/>
           </a:p>
@@ -3703,7 +3703,7 @@
           <a:p>
             <a:fld id="{246CB39B-5F4C-4A7E-9BE3-AAFD45576D16}" type="datetime2">
               <a:rPr lang="en-US" smtClean="0"/>
-              <a:t>Thursday, September 17, 2020</a:t>
+              <a:t>Monday, September 21, 2020</a:t>
             </a:fld>
             <a:endParaRPr lang="en-US" dirty="0"/>
           </a:p>
@@ -3816,7 +3816,7 @@
           <a:p>
             <a:fld id="{246CB39B-5F4C-4A7E-9BE3-AAFD45576D16}" type="datetime2">
               <a:rPr lang="en-US" smtClean="0"/>
-              <a:t>Thursday, September 17, 2020</a:t>
+              <a:t>Monday, September 21, 2020</a:t>
             </a:fld>
             <a:endParaRPr lang="en-US" dirty="0"/>
           </a:p>
@@ -4099,7 +4099,7 @@
           <a:p>
             <a:fld id="{246CB39B-5F4C-4A7E-9BE3-AAFD45576D16}" type="datetime2">
               <a:rPr lang="en-US" smtClean="0"/>
-              <a:t>Thursday, September 17, 2020</a:t>
+              <a:t>Monday, September 21, 2020</a:t>
             </a:fld>
             <a:endParaRPr lang="en-US" dirty="0"/>
           </a:p>
@@ -4362,7 +4362,7 @@
           <a:p>
             <a:fld id="{246CB39B-5F4C-4A7E-9BE3-AAFD45576D16}" type="datetime2">
               <a:rPr lang="en-US" smtClean="0"/>
-              <a:t>Thursday, September 17, 2020</a:t>
+              <a:t>Monday, September 21, 2020</a:t>
             </a:fld>
             <a:endParaRPr lang="en-US" dirty="0"/>
           </a:p>
@@ -4538,7 +4538,7 @@
           <a:p>
             <a:fld id="{246CB39B-5F4C-4A7E-9BE3-AAFD45576D16}" type="datetime2">
               <a:rPr lang="en-US" smtClean="0"/>
-              <a:t>Thursday, September 17, 2020</a:t>
+              <a:t>Monday, September 21, 2020</a:t>
             </a:fld>
             <a:endParaRPr lang="en-US" dirty="0"/>
           </a:p>
@@ -4724,7 +4724,7 @@
           <a:p>
             <a:fld id="{246CB39B-5F4C-4A7E-9BE3-AAFD45576D16}" type="datetime2">
               <a:rPr lang="en-US" smtClean="0"/>
-              <a:t>Thursday, September 17, 2020</a:t>
+              <a:t>Monday, September 21, 2020</a:t>
             </a:fld>
             <a:endParaRPr lang="en-US" dirty="0"/>
           </a:p>
@@ -4922,7 +4922,7 @@
           <a:p>
             <a:fld id="{72EA7947-E287-4738-8C82-07CE4F01EF03}" type="datetime2">
               <a:rPr lang="en-US" smtClean="0"/>
-              <a:t>Thursday, September 17, 2020</a:t>
+              <a:t>Monday, September 21, 2020</a:t>
             </a:fld>
             <a:endParaRPr lang="en-US" dirty="0"/>
           </a:p>
@@ -5095,7 +5095,7 @@
           <a:p>
             <a:fld id="{246CB39B-5F4C-4A7E-9BE3-AAFD45576D16}" type="datetime2">
               <a:rPr lang="en-US" smtClean="0"/>
-              <a:t>Thursday, September 17, 2020</a:t>
+              <a:t>Monday, September 21, 2020</a:t>
             </a:fld>
             <a:endParaRPr lang="en-US" dirty="0"/>
           </a:p>
@@ -5347,7 +5347,7 @@
           <a:p>
             <a:fld id="{246CB39B-5F4C-4A7E-9BE3-AAFD45576D16}" type="datetime2">
               <a:rPr lang="en-US" smtClean="0"/>
-              <a:t>Thursday, September 17, 2020</a:t>
+              <a:t>Monday, September 21, 2020</a:t>
             </a:fld>
             <a:endParaRPr lang="en-US" dirty="0"/>
           </a:p>
@@ -5585,7 +5585,7 @@
           <a:p>
             <a:fld id="{246CB39B-5F4C-4A7E-9BE3-AAFD45576D16}" type="datetime2">
               <a:rPr lang="en-US" smtClean="0"/>
-              <a:t>Thursday, September 17, 2020</a:t>
+              <a:t>Monday, September 21, 2020</a:t>
             </a:fld>
             <a:endParaRPr lang="en-US" dirty="0"/>
           </a:p>
@@ -5958,7 +5958,7 @@
           <a:p>
             <a:fld id="{246CB39B-5F4C-4A7E-9BE3-AAFD45576D16}" type="datetime2">
               <a:rPr lang="en-US" smtClean="0"/>
-              <a:t>Thursday, September 17, 2020</a:t>
+              <a:t>Monday, September 21, 2020</a:t>
             </a:fld>
             <a:endParaRPr lang="en-US" dirty="0"/>
           </a:p>
@@ -6172,7 +6172,7 @@
           <a:p>
             <a:fld id="{72EA7947-E287-4738-8C82-07CE4F01EF03}" type="datetime2">
               <a:rPr lang="en-US" smtClean="0"/>
-              <a:t>Thursday, September 17, 2020</a:t>
+              <a:t>Monday, September 21, 2020</a:t>
             </a:fld>
             <a:endParaRPr lang="en-US" dirty="0"/>
           </a:p>
@@ -6305,7 +6305,7 @@
           <a:p>
             <a:fld id="{246CB39B-5F4C-4A7E-9BE3-AAFD45576D16}" type="datetime2">
               <a:rPr lang="en-US" smtClean="0"/>
-              <a:t>Thursday, September 17, 2020</a:t>
+              <a:t>Monday, September 21, 2020</a:t>
             </a:fld>
             <a:endParaRPr lang="en-US" dirty="0"/>
           </a:p>
@@ -6406,7 +6406,7 @@
           <a:p>
             <a:fld id="{246CB39B-5F4C-4A7E-9BE3-AAFD45576D16}" type="datetime2">
               <a:rPr lang="en-US" smtClean="0"/>
-              <a:t>Thursday, September 17, 2020</a:t>
+              <a:t>Monday, September 21, 2020</a:t>
             </a:fld>
             <a:endParaRPr lang="en-US" dirty="0"/>
           </a:p>
@@ -6689,7 +6689,7 @@
           <a:p>
             <a:fld id="{246CB39B-5F4C-4A7E-9BE3-AAFD45576D16}" type="datetime2">
               <a:rPr lang="en-US" smtClean="0"/>
-              <a:t>Thursday, September 17, 2020</a:t>
+              <a:t>Monday, September 21, 2020</a:t>
             </a:fld>
             <a:endParaRPr lang="en-US" dirty="0"/>
           </a:p>
@@ -6952,7 +6952,7 @@
           <a:p>
             <a:fld id="{246CB39B-5F4C-4A7E-9BE3-AAFD45576D16}" type="datetime2">
               <a:rPr lang="en-US" smtClean="0"/>
-              <a:t>Thursday, September 17, 2020</a:t>
+              <a:t>Monday, September 21, 2020</a:t>
             </a:fld>
             <a:endParaRPr lang="en-US" dirty="0"/>
           </a:p>
@@ -7128,7 +7128,7 @@
           <a:p>
             <a:fld id="{246CB39B-5F4C-4A7E-9BE3-AAFD45576D16}" type="datetime2">
               <a:rPr lang="en-US" smtClean="0"/>
-              <a:t>Thursday, September 17, 2020</a:t>
+              <a:t>Monday, September 21, 2020</a:t>
             </a:fld>
             <a:endParaRPr lang="en-US" dirty="0"/>
           </a:p>
@@ -7314,7 +7314,7 @@
           <a:p>
             <a:fld id="{246CB39B-5F4C-4A7E-9BE3-AAFD45576D16}" type="datetime2">
               <a:rPr lang="en-US" smtClean="0"/>
-              <a:t>Thursday, September 17, 2020</a:t>
+              <a:t>Monday, September 21, 2020</a:t>
             </a:fld>
             <a:endParaRPr lang="en-US" dirty="0"/>
           </a:p>
@@ -7506,7 +7506,7 @@
           <a:p>
             <a:fld id="{246CB39B-5F4C-4A7E-9BE3-AAFD45576D16}" type="datetime2">
               <a:rPr lang="en-US" smtClean="0"/>
-              <a:t>Thursday, September 17, 2020</a:t>
+              <a:t>Monday, September 21, 2020</a:t>
             </a:fld>
             <a:endParaRPr lang="en-US" dirty="0"/>
           </a:p>
@@ -7787,7 +7787,7 @@
           <a:p>
             <a:fld id="{246CB39B-5F4C-4A7E-9BE3-AAFD45576D16}" type="datetime2">
               <a:rPr lang="en-US" smtClean="0"/>
-              <a:t>Thursday, September 17, 2020</a:t>
+              <a:t>Monday, September 21, 2020</a:t>
             </a:fld>
             <a:endParaRPr lang="en-US" dirty="0"/>
           </a:p>
@@ -8058,7 +8058,7 @@
           <a:p>
             <a:fld id="{246CB39B-5F4C-4A7E-9BE3-AAFD45576D16}" type="datetime2">
               <a:rPr lang="en-US" smtClean="0"/>
-              <a:t>Thursday, September 17, 2020</a:t>
+              <a:t>Monday, September 21, 2020</a:t>
             </a:fld>
             <a:endParaRPr lang="en-US" dirty="0"/>
           </a:p>
@@ -8476,7 +8476,7 @@
           <a:p>
             <a:fld id="{246CB39B-5F4C-4A7E-9BE3-AAFD45576D16}" type="datetime2">
               <a:rPr lang="en-US" smtClean="0"/>
-              <a:t>Thursday, September 17, 2020</a:t>
+              <a:t>Monday, September 21, 2020</a:t>
             </a:fld>
             <a:endParaRPr lang="en-US" dirty="0"/>
           </a:p>
@@ -8623,7 +8623,7 @@
           <a:p>
             <a:fld id="{246CB39B-5F4C-4A7E-9BE3-AAFD45576D16}" type="datetime2">
               <a:rPr lang="en-US" smtClean="0"/>
-              <a:t>Thursday, September 17, 2020</a:t>
+              <a:t>Monday, September 21, 2020</a:t>
             </a:fld>
             <a:endParaRPr lang="en-US" dirty="0"/>
           </a:p>
@@ -8742,7 +8742,7 @@
           <a:p>
             <a:fld id="{246CB39B-5F4C-4A7E-9BE3-AAFD45576D16}" type="datetime2">
               <a:rPr lang="en-US" smtClean="0"/>
-              <a:t>Thursday, September 17, 2020</a:t>
+              <a:t>Monday, September 21, 2020</a:t>
             </a:fld>
             <a:endParaRPr lang="en-US" dirty="0"/>
           </a:p>
@@ -8998,7 +8998,7 @@
           <a:p>
             <a:fld id="{246CB39B-5F4C-4A7E-9BE3-AAFD45576D16}" type="datetime2">
               <a:rPr lang="en-US" smtClean="0"/>
-              <a:t>Thursday, September 17, 2020</a:t>
+              <a:t>Monday, September 21, 2020</a:t>
             </a:fld>
             <a:endParaRPr lang="en-US" dirty="0"/>
           </a:p>
@@ -9592,7 +9592,7 @@
           <a:p>
             <a:fld id="{246CB39B-5F4C-4A7E-9BE3-AAFD45576D16}" type="datetime2">
               <a:rPr lang="en-US" smtClean="0"/>
-              <a:t>Thursday, September 17, 2020</a:t>
+              <a:t>Monday, September 21, 2020</a:t>
             </a:fld>
             <a:endParaRPr lang="en-US" dirty="0"/>
           </a:p>
@@ -10150,7 +10150,7 @@
           <a:p>
             <a:fld id="{246CB39B-5F4C-4A7E-9BE3-AAFD45576D16}" type="datetime2">
               <a:rPr lang="en-US" smtClean="0"/>
-              <a:t>Thursday, September 17, 2020</a:t>
+              <a:t>Monday, September 21, 2020</a:t>
             </a:fld>
             <a:endParaRPr lang="en-US" dirty="0"/>
           </a:p>
@@ -10696,7 +10696,7 @@
           <a:p>
             <a:fld id="{246CB39B-5F4C-4A7E-9BE3-AAFD45576D16}" type="datetime2">
               <a:rPr lang="en-US" smtClean="0"/>
-              <a:t>Thursday, September 17, 2020</a:t>
+              <a:t>Monday, September 21, 2020</a:t>
             </a:fld>
             <a:endParaRPr lang="en-US" dirty="0"/>
           </a:p>
@@ -14284,7 +14284,7 @@
                 <a:ea typeface="+mn-ea"/>
                 <a:cs typeface="+mn-cs"/>
               </a:rPr>
-              <a:t>The most important features for this model predicting are</a:t>
+              <a:t>The most important features for this model prediction are</a:t>
             </a:r>
             <a:br>
               <a:rPr lang="en-US" sz="2000" dirty="0">
